--- a/Geometric annual presentation.pptx
+++ b/Geometric annual presentation.pptx
@@ -5,10 +5,10 @@
     <p:sldMasterId id="2147483658" r:id="rId4"/>
   </p:sldMasterIdLst>
   <p:notesMasterIdLst>
-    <p:notesMasterId r:id="rId17"/>
+    <p:notesMasterId r:id="rId21"/>
   </p:notesMasterIdLst>
   <p:handoutMasterIdLst>
-    <p:handoutMasterId r:id="rId18"/>
+    <p:handoutMasterId r:id="rId22"/>
   </p:handoutMasterIdLst>
   <p:sldIdLst>
     <p:sldId id="410" r:id="rId5"/>
@@ -20,9 +20,13 @@
     <p:sldId id="416" r:id="rId11"/>
     <p:sldId id="408" r:id="rId12"/>
     <p:sldId id="404" r:id="rId13"/>
-    <p:sldId id="417" r:id="rId14"/>
-    <p:sldId id="418" r:id="rId15"/>
-    <p:sldId id="398" r:id="rId16"/>
+    <p:sldId id="419" r:id="rId14"/>
+    <p:sldId id="420" r:id="rId15"/>
+    <p:sldId id="421" r:id="rId16"/>
+    <p:sldId id="422" r:id="rId17"/>
+    <p:sldId id="417" r:id="rId18"/>
+    <p:sldId id="418" r:id="rId19"/>
+    <p:sldId id="398" r:id="rId20"/>
   </p:sldIdLst>
   <p:sldSz cx="12192000" cy="6858000"/>
   <p:notesSz cx="6858000" cy="9144000"/>
@@ -201,7 +205,7 @@
           <a:p>
             <a:fld id="{1EBEDD12-BCD5-485B-BCBC-34BB01D7923C}" type="datetimeFigureOut">
               <a:rPr lang="en-US" smtClean="0"/>
-              <a:t>7/10/2025</a:t>
+              <a:t>7/12/2025</a:t>
             </a:fld>
             <a:endParaRPr lang="en-US" dirty="0"/>
           </a:p>
@@ -415,7 +419,7 @@
           <a:p>
             <a:fld id="{6EE7A52F-9D89-7442-A8E9-48D1527B5F6B}" type="datetimeFigureOut">
               <a:rPr lang="en-US" smtClean="0"/>
-              <a:t>7/10/2025</a:t>
+              <a:t>7/12/2025</a:t>
             </a:fld>
             <a:endParaRPr lang="en-US" dirty="0"/>
           </a:p>
@@ -810,53 +814,7 @@
           <a:bodyPr/>
           <a:lstStyle/>
           <a:p>
-            <a:r>
-              <a:rPr lang="vi-VN" dirty="0" smtClean="0"/>
-              <a:t>Sau thời gian thực tập, em đã hoàn thiện được một ứng dụng mua sắm có đầy đủ tính năng cơ bản và hoạt động ổn định. Ứng dụng có thể chạy thực tế trên simulator và có kết nối với backend qua API.</a:t>
-            </a:r>
-          </a:p>
-          <a:p>
-            <a:r>
-              <a:rPr lang="vi-VN" dirty="0" smtClean="0"/>
-              <a:t>Qua dự án này, em cải thiện rất nhiều về kỹ năng lập trình với SwiftUI, hiểu rõ hơn về mô hình MVVM, và đặc biệt là nắm được quy trình làm việc thực tế trong một dự án phần mềm – từ việc tiếp nhận yêu cầu, trao đổi, thiết kế đến kiểm thử và bàn giao.</a:t>
-            </a:r>
-          </a:p>
-          <a:p>
-            <a:r>
-              <a:rPr lang="vi-VN" dirty="0" smtClean="0"/>
-              <a:t>Một trong những bài học lớn nhất mà em nhận được là khả năng </a:t>
-            </a:r>
-            <a:r>
-              <a:rPr lang="vi-VN" b="1" dirty="0" smtClean="0"/>
-              <a:t>tự học</a:t>
-            </a:r>
-            <a:r>
-              <a:rPr lang="vi-VN" dirty="0" smtClean="0"/>
-              <a:t>, </a:t>
-            </a:r>
-            <a:r>
-              <a:rPr lang="vi-VN" b="1" dirty="0" smtClean="0"/>
-              <a:t>chủ động giải quyết vấn đề</a:t>
-            </a:r>
-            <a:r>
-              <a:rPr lang="vi-VN" dirty="0" smtClean="0"/>
-              <a:t>, và </a:t>
-            </a:r>
-            <a:r>
-              <a:rPr lang="vi-VN" b="1" dirty="0" smtClean="0"/>
-              <a:t>biết cách đặt câu hỏi đúng lúc</a:t>
-            </a:r>
-            <a:r>
-              <a:rPr lang="vi-VN" dirty="0" smtClean="0"/>
-              <a:t> để không đi sai hướng.</a:t>
-            </a:r>
-          </a:p>
-          <a:p>
-            <a:r>
-              <a:rPr lang="vi-VN" dirty="0" smtClean="0"/>
-              <a:t>Em tin rằng những kỹ năng này sẽ là hành trang rất quan trọng để em phát triển tốt hơn trong các dự án tương lai.</a:t>
-            </a:r>
-            <a:endParaRPr lang="vi-VN" dirty="0"/>
+            <a:endParaRPr lang="en-US" dirty="0"/>
           </a:p>
         </p:txBody>
       </p:sp>
@@ -886,7 +844,7 @@
     </p:spTree>
     <p:extLst>
       <p:ext uri="{BB962C8B-B14F-4D97-AF65-F5344CB8AC3E}">
-        <p14:creationId xmlns:p14="http://schemas.microsoft.com/office/powerpoint/2010/main" val="2015981771"/>
+        <p14:creationId xmlns:p14="http://schemas.microsoft.com/office/powerpoint/2010/main" val="2736957923"/>
       </p:ext>
     </p:extLst>
   </p:cSld>
@@ -940,29 +898,7 @@
           <a:bodyPr/>
           <a:lstStyle/>
           <a:p>
-            <a:r>
-              <a:rPr lang="vi-VN" dirty="0" smtClean="0"/>
-              <a:t>Cuối cùng, em xin gửi lời cảm ơn chân thành đến công ty và anh/chị hướng dẫn đã tạo điều kiện cho em có cơ hội thực tập, học hỏi và thực hiện một dự án thực tế đầy ý nghĩa.</a:t>
-            </a:r>
-          </a:p>
-          <a:p>
-            <a:r>
-              <a:rPr lang="vi-VN" dirty="0" smtClean="0"/>
-              <a:t>Em cũng xin cảm ơn quý thầy cô trong khoa, đã trang bị cho em kiến thức và phương pháp học tập hiệu quả, giúp em tự tin áp dụng vào dự án.</a:t>
-            </a:r>
-          </a:p>
-          <a:p>
-            <a:r>
-              <a:rPr lang="vi-VN" dirty="0" smtClean="0"/>
-              <a:t>Đồng thời, em cũng rất biết ơn các anh/chị và bạn bè đã luôn sẵn sàng hỗ trợ, chia sẻ và động viên em trong suốt quá trình thực hiện báo cáo này.</a:t>
-            </a:r>
-          </a:p>
-          <a:p>
-            <a:r>
-              <a:rPr lang="vi-VN" dirty="0" smtClean="0"/>
-              <a:t>Em xin chân thành cảm ơn quý thầy cô và mọi người đã lắng nghe phần trình bày của em.</a:t>
-            </a:r>
-            <a:endParaRPr lang="vi-VN" dirty="0"/>
+            <a:endParaRPr lang="en-US" dirty="0"/>
           </a:p>
         </p:txBody>
       </p:sp>
@@ -992,7 +928,7 @@
     </p:spTree>
     <p:extLst>
       <p:ext uri="{BB962C8B-B14F-4D97-AF65-F5344CB8AC3E}">
-        <p14:creationId xmlns:p14="http://schemas.microsoft.com/office/powerpoint/2010/main" val="3837399228"/>
+        <p14:creationId xmlns:p14="http://schemas.microsoft.com/office/powerpoint/2010/main" val="1780392444"/>
       </p:ext>
     </p:extLst>
   </p:cSld>
@@ -1068,6 +1004,820 @@
             <a:fld id="{A89C7E07-3C67-C64C-8DA0-0404F6303970}" type="slidenum">
               <a:rPr lang="en-US" smtClean="0"/>
               <a:t>12</a:t>
+            </a:fld>
+            <a:endParaRPr lang="en-US" dirty="0"/>
+          </a:p>
+        </p:txBody>
+      </p:sp>
+    </p:spTree>
+    <p:extLst>
+      <p:ext uri="{BB962C8B-B14F-4D97-AF65-F5344CB8AC3E}">
+        <p14:creationId xmlns:p14="http://schemas.microsoft.com/office/powerpoint/2010/main" val="1020363201"/>
+      </p:ext>
+    </p:extLst>
+  </p:cSld>
+  <p:clrMapOvr>
+    <a:masterClrMapping/>
+  </p:clrMapOvr>
+</p:notes>
+</file>
+
+<file path=ppt/notesSlides/notesSlide13.xml><?xml version="1.0" encoding="utf-8"?>
+<p:notes xmlns:a="http://schemas.openxmlformats.org/drawingml/2006/main" xmlns:r="http://schemas.openxmlformats.org/officeDocument/2006/relationships" xmlns:p="http://schemas.openxmlformats.org/presentationml/2006/main">
+  <p:cSld>
+    <p:spTree>
+      <p:nvGrpSpPr>
+        <p:cNvPr id="1" name=""/>
+        <p:cNvGrpSpPr/>
+        <p:nvPr/>
+      </p:nvGrpSpPr>
+      <p:grpSpPr>
+        <a:xfrm>
+          <a:off x="0" y="0"/>
+          <a:ext cx="0" cy="0"/>
+          <a:chOff x="0" y="0"/>
+          <a:chExt cx="0" cy="0"/>
+        </a:xfrm>
+      </p:grpSpPr>
+      <p:sp>
+        <p:nvSpPr>
+          <p:cNvPr id="2" name="Slide Image Placeholder 1"/>
+          <p:cNvSpPr>
+            <a:spLocks noGrp="1" noRot="1" noChangeAspect="1"/>
+          </p:cNvSpPr>
+          <p:nvPr>
+            <p:ph type="sldImg"/>
+          </p:nvPr>
+        </p:nvSpPr>
+        <p:spPr/>
+      </p:sp>
+      <p:sp>
+        <p:nvSpPr>
+          <p:cNvPr id="3" name="Notes Placeholder 2"/>
+          <p:cNvSpPr>
+            <a:spLocks noGrp="1"/>
+          </p:cNvSpPr>
+          <p:nvPr>
+            <p:ph type="body" idx="1"/>
+          </p:nvPr>
+        </p:nvSpPr>
+        <p:spPr/>
+        <p:txBody>
+          <a:bodyPr/>
+          <a:lstStyle/>
+          <a:p>
+            <a:r>
+              <a:rPr lang="en-US" dirty="0" smtClean="0"/>
+              <a:t>Ở</a:t>
+            </a:r>
+            <a:r>
+              <a:rPr lang="en-US" baseline="0" dirty="0" smtClean="0"/>
+              <a:t> </a:t>
+            </a:r>
+            <a:r>
+              <a:rPr lang="en-US" baseline="0" dirty="0" err="1" smtClean="0"/>
+              <a:t>mô</a:t>
+            </a:r>
+            <a:r>
+              <a:rPr lang="en-US" baseline="0" dirty="0" smtClean="0"/>
+              <a:t> </a:t>
+            </a:r>
+            <a:r>
+              <a:rPr lang="en-US" baseline="0" dirty="0" err="1" smtClean="0"/>
+              <a:t>hình</a:t>
+            </a:r>
+            <a:r>
+              <a:rPr lang="en-US" baseline="0" dirty="0" smtClean="0"/>
+              <a:t> </a:t>
+            </a:r>
+            <a:r>
+              <a:rPr lang="en-US" baseline="0" dirty="0" err="1" smtClean="0"/>
+              <a:t>em</a:t>
+            </a:r>
+            <a:r>
+              <a:rPr lang="en-US" baseline="0" dirty="0" smtClean="0"/>
+              <a:t> </a:t>
+            </a:r>
+            <a:r>
+              <a:rPr lang="en-US" baseline="0" dirty="0" err="1" smtClean="0"/>
+              <a:t>sử</a:t>
+            </a:r>
+            <a:r>
+              <a:rPr lang="en-US" baseline="0" dirty="0" smtClean="0"/>
+              <a:t> </a:t>
+            </a:r>
+            <a:r>
+              <a:rPr lang="en-US" baseline="0" dirty="0" err="1" smtClean="0"/>
+              <a:t>dụng</a:t>
+            </a:r>
+            <a:r>
+              <a:rPr lang="en-US" baseline="0" dirty="0" smtClean="0"/>
+              <a:t> </a:t>
+            </a:r>
+            <a:r>
+              <a:rPr lang="en-US" baseline="0" dirty="0" err="1" smtClean="0"/>
+              <a:t>thì</a:t>
+            </a:r>
+            <a:r>
+              <a:rPr lang="en-US" baseline="0" dirty="0" smtClean="0"/>
+              <a:t> </a:t>
+            </a:r>
+            <a:r>
+              <a:rPr lang="en-US" baseline="0" dirty="0" err="1" smtClean="0"/>
+              <a:t>hơi</a:t>
+            </a:r>
+            <a:r>
+              <a:rPr lang="en-US" baseline="0" dirty="0" smtClean="0"/>
+              <a:t> </a:t>
+            </a:r>
+            <a:r>
+              <a:rPr lang="en-US" baseline="0" dirty="0" err="1" smtClean="0"/>
+              <a:t>ngu</a:t>
+            </a:r>
+            <a:r>
+              <a:rPr lang="en-US" baseline="0" dirty="0" smtClean="0"/>
+              <a:t> do </a:t>
+            </a:r>
+            <a:r>
+              <a:rPr lang="en-US" baseline="0" dirty="0" err="1" smtClean="0"/>
+              <a:t>khoogn</a:t>
+            </a:r>
+            <a:r>
+              <a:rPr lang="en-US" baseline="0" dirty="0" smtClean="0"/>
+              <a:t> </a:t>
+            </a:r>
+            <a:r>
+              <a:rPr lang="en-US" baseline="0" dirty="0" err="1" smtClean="0"/>
+              <a:t>có</a:t>
+            </a:r>
+            <a:r>
+              <a:rPr lang="en-US" baseline="0" dirty="0" smtClean="0"/>
+              <a:t> fine tune </a:t>
+            </a:r>
+            <a:r>
+              <a:rPr lang="en-US" baseline="0" dirty="0" err="1" smtClean="0"/>
+              <a:t>mà</a:t>
+            </a:r>
+            <a:r>
+              <a:rPr lang="en-US" baseline="0" dirty="0" smtClean="0"/>
+              <a:t> </a:t>
+            </a:r>
+            <a:r>
+              <a:rPr lang="en-US" baseline="0" dirty="0" err="1" smtClean="0"/>
+              <a:t>sử</a:t>
+            </a:r>
+            <a:r>
+              <a:rPr lang="en-US" baseline="0" dirty="0" smtClean="0"/>
+              <a:t> </a:t>
+            </a:r>
+            <a:r>
+              <a:rPr lang="en-US" baseline="0" dirty="0" err="1" smtClean="0"/>
+              <a:t>dụng</a:t>
+            </a:r>
+            <a:r>
+              <a:rPr lang="en-US" baseline="0" dirty="0" smtClean="0"/>
+              <a:t> </a:t>
+            </a:r>
+            <a:r>
+              <a:rPr lang="en-US" baseline="0" dirty="0" err="1" smtClean="0"/>
+              <a:t>trực</a:t>
+            </a:r>
+            <a:r>
+              <a:rPr lang="en-US" baseline="0" dirty="0" smtClean="0"/>
+              <a:t> </a:t>
+            </a:r>
+            <a:r>
+              <a:rPr lang="en-US" baseline="0" dirty="0" err="1" smtClean="0"/>
+              <a:t>tiếp</a:t>
+            </a:r>
+            <a:r>
+              <a:rPr lang="en-US" baseline="0" dirty="0" smtClean="0"/>
+              <a:t>, </a:t>
+            </a:r>
+            <a:r>
+              <a:rPr lang="en-US" baseline="0" dirty="0" err="1" smtClean="0"/>
+              <a:t>lý</a:t>
+            </a:r>
+            <a:r>
+              <a:rPr lang="en-US" baseline="0" dirty="0" smtClean="0"/>
+              <a:t> do </a:t>
+            </a:r>
+            <a:r>
+              <a:rPr lang="en-US" baseline="0" dirty="0" err="1" smtClean="0"/>
+              <a:t>là</a:t>
+            </a:r>
+            <a:r>
+              <a:rPr lang="en-US" baseline="0" dirty="0" smtClean="0"/>
+              <a:t> </a:t>
+            </a:r>
+            <a:r>
+              <a:rPr lang="en-US" baseline="0" dirty="0" err="1" smtClean="0"/>
+              <a:t>về</a:t>
+            </a:r>
+            <a:r>
+              <a:rPr lang="en-US" baseline="0" dirty="0" smtClean="0"/>
+              <a:t> </a:t>
+            </a:r>
+            <a:r>
+              <a:rPr lang="en-US" baseline="0" dirty="0" err="1" smtClean="0"/>
+              <a:t>vấn</a:t>
+            </a:r>
+            <a:r>
+              <a:rPr lang="en-US" baseline="0" dirty="0" smtClean="0"/>
+              <a:t> </a:t>
+            </a:r>
+            <a:r>
+              <a:rPr lang="en-US" baseline="0" dirty="0" err="1" smtClean="0"/>
+              <a:t>đề</a:t>
+            </a:r>
+            <a:r>
+              <a:rPr lang="en-US" baseline="0" dirty="0" smtClean="0"/>
+              <a:t> security</a:t>
+            </a:r>
+          </a:p>
+          <a:p>
+            <a:r>
+              <a:rPr lang="en-US" baseline="0" dirty="0" smtClean="0"/>
+              <a:t>Do </a:t>
+            </a:r>
+            <a:r>
+              <a:rPr lang="en-US" baseline="0" dirty="0" err="1" smtClean="0"/>
+              <a:t>mô</a:t>
+            </a:r>
+            <a:r>
+              <a:rPr lang="en-US" baseline="0" dirty="0" smtClean="0"/>
+              <a:t> </a:t>
+            </a:r>
+            <a:r>
+              <a:rPr lang="en-US" baseline="0" dirty="0" err="1" smtClean="0"/>
+              <a:t>hình</a:t>
+            </a:r>
+            <a:r>
+              <a:rPr lang="en-US" baseline="0" dirty="0" smtClean="0"/>
+              <a:t> </a:t>
+            </a:r>
+            <a:r>
+              <a:rPr lang="en-US" baseline="0" dirty="0" err="1" smtClean="0"/>
+              <a:t>được</a:t>
+            </a:r>
+            <a:r>
+              <a:rPr lang="en-US" baseline="0" dirty="0" smtClean="0"/>
+              <a:t> train </a:t>
+            </a:r>
+            <a:r>
+              <a:rPr lang="en-US" baseline="0" dirty="0" err="1" smtClean="0"/>
+              <a:t>trên</a:t>
+            </a:r>
+            <a:r>
+              <a:rPr lang="en-US" baseline="0" dirty="0" smtClean="0"/>
+              <a:t> </a:t>
+            </a:r>
+            <a:r>
+              <a:rPr lang="en-US" baseline="0" dirty="0" err="1" smtClean="0"/>
+              <a:t>dữ</a:t>
+            </a:r>
+            <a:r>
+              <a:rPr lang="en-US" baseline="0" dirty="0" smtClean="0"/>
+              <a:t> </a:t>
+            </a:r>
+            <a:r>
+              <a:rPr lang="en-US" baseline="0" dirty="0" err="1" smtClean="0"/>
+              <a:t>liệu</a:t>
+            </a:r>
+            <a:r>
+              <a:rPr lang="en-US" baseline="0" dirty="0" smtClean="0"/>
+              <a:t> </a:t>
+            </a:r>
+            <a:r>
+              <a:rPr lang="en-US" baseline="0" dirty="0" err="1" smtClean="0"/>
+              <a:t>lớn</a:t>
+            </a:r>
+            <a:r>
+              <a:rPr lang="en-US" baseline="0" dirty="0" smtClean="0"/>
+              <a:t> </a:t>
+            </a:r>
+            <a:r>
+              <a:rPr lang="en-US" baseline="0" dirty="0" err="1" smtClean="0"/>
+              <a:t>gồm</a:t>
+            </a:r>
+            <a:r>
+              <a:rPr lang="en-US" baseline="0" dirty="0" smtClean="0"/>
+              <a:t> </a:t>
+            </a:r>
+            <a:r>
+              <a:rPr lang="en-US" baseline="0" dirty="0" err="1" smtClean="0"/>
+              <a:t>nhiều</a:t>
+            </a:r>
+            <a:r>
+              <a:rPr lang="en-US" baseline="0" dirty="0" smtClean="0"/>
+              <a:t> </a:t>
+            </a:r>
+            <a:r>
+              <a:rPr lang="en-US" baseline="0" dirty="0" err="1" smtClean="0"/>
+              <a:t>lớp</a:t>
+            </a:r>
+            <a:r>
+              <a:rPr lang="en-US" baseline="0" dirty="0" smtClean="0"/>
+              <a:t> </a:t>
+            </a:r>
+            <a:r>
+              <a:rPr lang="en-US" baseline="0" dirty="0" err="1" smtClean="0"/>
+              <a:t>khác</a:t>
+            </a:r>
+            <a:r>
+              <a:rPr lang="en-US" baseline="0" dirty="0" smtClean="0"/>
+              <a:t> </a:t>
+            </a:r>
+            <a:r>
+              <a:rPr lang="en-US" baseline="0" dirty="0" err="1" smtClean="0"/>
+              <a:t>nhau</a:t>
+            </a:r>
+            <a:r>
+              <a:rPr lang="en-US" baseline="0" dirty="0" smtClean="0"/>
+              <a:t>, do </a:t>
+            </a:r>
+            <a:r>
+              <a:rPr lang="en-US" baseline="0" dirty="0" err="1" smtClean="0"/>
+              <a:t>đó</a:t>
+            </a:r>
+            <a:r>
+              <a:rPr lang="en-US" baseline="0" dirty="0" smtClean="0"/>
+              <a:t> </a:t>
+            </a:r>
+            <a:r>
+              <a:rPr lang="en-US" baseline="0" dirty="0" err="1" smtClean="0"/>
+              <a:t>khi</a:t>
+            </a:r>
+            <a:r>
+              <a:rPr lang="en-US" baseline="0" dirty="0" smtClean="0"/>
+              <a:t> </a:t>
+            </a:r>
+            <a:r>
+              <a:rPr lang="en-US" baseline="0" dirty="0" err="1" smtClean="0"/>
+              <a:t>sử</a:t>
+            </a:r>
+            <a:r>
+              <a:rPr lang="en-US" baseline="0" dirty="0" smtClean="0"/>
+              <a:t> </a:t>
+            </a:r>
+            <a:r>
+              <a:rPr lang="en-US" baseline="0" dirty="0" err="1" smtClean="0"/>
+              <a:t>dụng</a:t>
+            </a:r>
+            <a:r>
+              <a:rPr lang="en-US" baseline="0" dirty="0" smtClean="0"/>
+              <a:t> </a:t>
+            </a:r>
+            <a:r>
+              <a:rPr lang="en-US" baseline="0" dirty="0" err="1" smtClean="0"/>
+              <a:t>đối</a:t>
+            </a:r>
+            <a:r>
+              <a:rPr lang="en-US" baseline="0" dirty="0" smtClean="0"/>
+              <a:t> </a:t>
+            </a:r>
+            <a:r>
+              <a:rPr lang="en-US" baseline="0" dirty="0" err="1" smtClean="0"/>
+              <a:t>với</a:t>
+            </a:r>
+            <a:r>
+              <a:rPr lang="en-US" baseline="0" dirty="0" smtClean="0"/>
+              <a:t> </a:t>
+            </a:r>
+            <a:r>
+              <a:rPr lang="en-US" baseline="0" dirty="0" err="1" smtClean="0"/>
+              <a:t>một</a:t>
+            </a:r>
+            <a:r>
+              <a:rPr lang="en-US" baseline="0" dirty="0" smtClean="0"/>
+              <a:t> domain data ( </a:t>
+            </a:r>
+            <a:r>
+              <a:rPr lang="en-US" baseline="0" dirty="0" err="1" smtClean="0"/>
+              <a:t>dữ</a:t>
+            </a:r>
+            <a:r>
+              <a:rPr lang="en-US" baseline="0" dirty="0" smtClean="0"/>
+              <a:t> </a:t>
+            </a:r>
+            <a:r>
+              <a:rPr lang="en-US" baseline="0" dirty="0" err="1" smtClean="0"/>
+              <a:t>liệu</a:t>
+            </a:r>
+            <a:r>
+              <a:rPr lang="en-US" baseline="0" dirty="0" smtClean="0"/>
+              <a:t> </a:t>
+            </a:r>
+            <a:r>
+              <a:rPr lang="en-US" baseline="0" dirty="0" err="1" smtClean="0"/>
+              <a:t>đặc</a:t>
+            </a:r>
+            <a:r>
+              <a:rPr lang="en-US" baseline="0" dirty="0" smtClean="0"/>
+              <a:t> </a:t>
+            </a:r>
+            <a:r>
+              <a:rPr lang="en-US" baseline="0" dirty="0" err="1" smtClean="0"/>
+              <a:t>biệt</a:t>
+            </a:r>
+            <a:r>
+              <a:rPr lang="en-US" baseline="0" dirty="0" smtClean="0"/>
+              <a:t> ) </a:t>
+            </a:r>
+            <a:r>
+              <a:rPr lang="en-US" baseline="0" dirty="0" err="1" smtClean="0"/>
+              <a:t>sẽ</a:t>
+            </a:r>
+            <a:r>
+              <a:rPr lang="en-US" baseline="0" dirty="0" smtClean="0"/>
+              <a:t> </a:t>
+            </a:r>
+            <a:r>
+              <a:rPr lang="en-US" baseline="0" dirty="0" err="1" smtClean="0"/>
+              <a:t>gây</a:t>
+            </a:r>
+            <a:r>
+              <a:rPr lang="en-US" baseline="0" dirty="0" smtClean="0"/>
+              <a:t> </a:t>
+            </a:r>
+            <a:r>
+              <a:rPr lang="en-US" baseline="0" dirty="0" err="1" smtClean="0"/>
+              <a:t>độ</a:t>
+            </a:r>
+            <a:r>
+              <a:rPr lang="en-US" baseline="0" dirty="0" smtClean="0"/>
+              <a:t> </a:t>
+            </a:r>
+            <a:r>
+              <a:rPr lang="en-US" baseline="0" dirty="0" err="1" smtClean="0"/>
+              <a:t>chính</a:t>
+            </a:r>
+            <a:r>
+              <a:rPr lang="en-US" baseline="0" dirty="0" smtClean="0"/>
+              <a:t> </a:t>
+            </a:r>
+            <a:r>
+              <a:rPr lang="en-US" baseline="0" dirty="0" err="1" smtClean="0"/>
+              <a:t>xác</a:t>
+            </a:r>
+            <a:r>
+              <a:rPr lang="en-US" baseline="0" dirty="0" smtClean="0"/>
+              <a:t> </a:t>
+            </a:r>
+            <a:r>
+              <a:rPr lang="en-US" baseline="0" dirty="0" err="1" smtClean="0"/>
+              <a:t>không</a:t>
+            </a:r>
+            <a:r>
+              <a:rPr lang="en-US" baseline="0" dirty="0" smtClean="0"/>
+              <a:t> </a:t>
+            </a:r>
+            <a:r>
+              <a:rPr lang="en-US" baseline="0" dirty="0" err="1" smtClean="0"/>
+              <a:t>cao</a:t>
+            </a:r>
+            <a:endParaRPr lang="en-US" dirty="0"/>
+          </a:p>
+        </p:txBody>
+      </p:sp>
+      <p:sp>
+        <p:nvSpPr>
+          <p:cNvPr id="4" name="Slide Number Placeholder 3"/>
+          <p:cNvSpPr>
+            <a:spLocks noGrp="1"/>
+          </p:cNvSpPr>
+          <p:nvPr>
+            <p:ph type="sldNum" sz="quarter" idx="5"/>
+          </p:nvPr>
+        </p:nvSpPr>
+        <p:spPr/>
+        <p:txBody>
+          <a:bodyPr/>
+          <a:lstStyle/>
+          <a:p>
+            <a:fld id="{A89C7E07-3C67-C64C-8DA0-0404F6303970}" type="slidenum">
+              <a:rPr lang="en-US" smtClean="0"/>
+              <a:t>13</a:t>
+            </a:fld>
+            <a:endParaRPr lang="en-US" dirty="0"/>
+          </a:p>
+        </p:txBody>
+      </p:sp>
+    </p:spTree>
+    <p:extLst>
+      <p:ext uri="{BB962C8B-B14F-4D97-AF65-F5344CB8AC3E}">
+        <p14:creationId xmlns:p14="http://schemas.microsoft.com/office/powerpoint/2010/main" val="4108469224"/>
+      </p:ext>
+    </p:extLst>
+  </p:cSld>
+  <p:clrMapOvr>
+    <a:masterClrMapping/>
+  </p:clrMapOvr>
+</p:notes>
+</file>
+
+<file path=ppt/notesSlides/notesSlide14.xml><?xml version="1.0" encoding="utf-8"?>
+<p:notes xmlns:a="http://schemas.openxmlformats.org/drawingml/2006/main" xmlns:r="http://schemas.openxmlformats.org/officeDocument/2006/relationships" xmlns:p="http://schemas.openxmlformats.org/presentationml/2006/main">
+  <p:cSld>
+    <p:spTree>
+      <p:nvGrpSpPr>
+        <p:cNvPr id="1" name=""/>
+        <p:cNvGrpSpPr/>
+        <p:nvPr/>
+      </p:nvGrpSpPr>
+      <p:grpSpPr>
+        <a:xfrm>
+          <a:off x="0" y="0"/>
+          <a:ext cx="0" cy="0"/>
+          <a:chOff x="0" y="0"/>
+          <a:chExt cx="0" cy="0"/>
+        </a:xfrm>
+      </p:grpSpPr>
+      <p:sp>
+        <p:nvSpPr>
+          <p:cNvPr id="2" name="Slide Image Placeholder 1"/>
+          <p:cNvSpPr>
+            <a:spLocks noGrp="1" noRot="1" noChangeAspect="1"/>
+          </p:cNvSpPr>
+          <p:nvPr>
+            <p:ph type="sldImg"/>
+          </p:nvPr>
+        </p:nvSpPr>
+        <p:spPr/>
+      </p:sp>
+      <p:sp>
+        <p:nvSpPr>
+          <p:cNvPr id="3" name="Notes Placeholder 2"/>
+          <p:cNvSpPr>
+            <a:spLocks noGrp="1"/>
+          </p:cNvSpPr>
+          <p:nvPr>
+            <p:ph type="body" idx="1"/>
+          </p:nvPr>
+        </p:nvSpPr>
+        <p:spPr/>
+        <p:txBody>
+          <a:bodyPr/>
+          <a:lstStyle/>
+          <a:p>
+            <a:r>
+              <a:rPr lang="vi-VN" dirty="0" smtClean="0"/>
+              <a:t>Sau thời gian thực tập, em đã hoàn thiện được một ứng dụng mua sắm có đầy đủ tính năng cơ bản và hoạt động ổn định. Ứng dụng có thể chạy thực tế trên simulator và có kết nối với backend qua API.</a:t>
+            </a:r>
+          </a:p>
+          <a:p>
+            <a:r>
+              <a:rPr lang="vi-VN" dirty="0" smtClean="0"/>
+              <a:t>Qua dự án này, em cải thiện rất nhiều về kỹ năng lập trình với SwiftUI, hiểu rõ hơn về mô hình MVVM, và đặc biệt là nắm được quy trình làm việc thực tế trong một dự án phần mềm – từ việc tiếp nhận yêu cầu, trao đổi, thiết kế đến kiểm thử và bàn giao.</a:t>
+            </a:r>
+          </a:p>
+          <a:p>
+            <a:r>
+              <a:rPr lang="vi-VN" dirty="0" smtClean="0"/>
+              <a:t>Một trong những bài học lớn nhất mà em nhận được là khả năng </a:t>
+            </a:r>
+            <a:r>
+              <a:rPr lang="vi-VN" b="1" dirty="0" smtClean="0"/>
+              <a:t>tự học</a:t>
+            </a:r>
+            <a:r>
+              <a:rPr lang="vi-VN" dirty="0" smtClean="0"/>
+              <a:t>, </a:t>
+            </a:r>
+            <a:r>
+              <a:rPr lang="vi-VN" b="1" dirty="0" smtClean="0"/>
+              <a:t>chủ động giải quyết vấn đề</a:t>
+            </a:r>
+            <a:r>
+              <a:rPr lang="vi-VN" dirty="0" smtClean="0"/>
+              <a:t>, và </a:t>
+            </a:r>
+            <a:r>
+              <a:rPr lang="vi-VN" b="1" dirty="0" smtClean="0"/>
+              <a:t>biết cách đặt câu hỏi đúng lúc</a:t>
+            </a:r>
+            <a:r>
+              <a:rPr lang="vi-VN" dirty="0" smtClean="0"/>
+              <a:t> để không đi sai hướng.</a:t>
+            </a:r>
+          </a:p>
+          <a:p>
+            <a:r>
+              <a:rPr lang="vi-VN" dirty="0" smtClean="0"/>
+              <a:t>Em tin rằng những kỹ năng này sẽ là hành trang rất quan trọng để em phát triển tốt hơn trong các dự án tương lai.</a:t>
+            </a:r>
+            <a:endParaRPr lang="vi-VN" dirty="0"/>
+          </a:p>
+        </p:txBody>
+      </p:sp>
+      <p:sp>
+        <p:nvSpPr>
+          <p:cNvPr id="4" name="Slide Number Placeholder 3"/>
+          <p:cNvSpPr>
+            <a:spLocks noGrp="1"/>
+          </p:cNvSpPr>
+          <p:nvPr>
+            <p:ph type="sldNum" sz="quarter" idx="5"/>
+          </p:nvPr>
+        </p:nvSpPr>
+        <p:spPr/>
+        <p:txBody>
+          <a:bodyPr/>
+          <a:lstStyle/>
+          <a:p>
+            <a:fld id="{A89C7E07-3C67-C64C-8DA0-0404F6303970}" type="slidenum">
+              <a:rPr lang="en-US" smtClean="0"/>
+              <a:t>14</a:t>
+            </a:fld>
+            <a:endParaRPr lang="en-US" dirty="0"/>
+          </a:p>
+        </p:txBody>
+      </p:sp>
+    </p:spTree>
+    <p:extLst>
+      <p:ext uri="{BB962C8B-B14F-4D97-AF65-F5344CB8AC3E}">
+        <p14:creationId xmlns:p14="http://schemas.microsoft.com/office/powerpoint/2010/main" val="2015981771"/>
+      </p:ext>
+    </p:extLst>
+  </p:cSld>
+  <p:clrMapOvr>
+    <a:masterClrMapping/>
+  </p:clrMapOvr>
+</p:notes>
+</file>
+
+<file path=ppt/notesSlides/notesSlide15.xml><?xml version="1.0" encoding="utf-8"?>
+<p:notes xmlns:a="http://schemas.openxmlformats.org/drawingml/2006/main" xmlns:r="http://schemas.openxmlformats.org/officeDocument/2006/relationships" xmlns:p="http://schemas.openxmlformats.org/presentationml/2006/main">
+  <p:cSld>
+    <p:spTree>
+      <p:nvGrpSpPr>
+        <p:cNvPr id="1" name=""/>
+        <p:cNvGrpSpPr/>
+        <p:nvPr/>
+      </p:nvGrpSpPr>
+      <p:grpSpPr>
+        <a:xfrm>
+          <a:off x="0" y="0"/>
+          <a:ext cx="0" cy="0"/>
+          <a:chOff x="0" y="0"/>
+          <a:chExt cx="0" cy="0"/>
+        </a:xfrm>
+      </p:grpSpPr>
+      <p:sp>
+        <p:nvSpPr>
+          <p:cNvPr id="2" name="Slide Image Placeholder 1"/>
+          <p:cNvSpPr>
+            <a:spLocks noGrp="1" noRot="1" noChangeAspect="1"/>
+          </p:cNvSpPr>
+          <p:nvPr>
+            <p:ph type="sldImg"/>
+          </p:nvPr>
+        </p:nvSpPr>
+        <p:spPr/>
+      </p:sp>
+      <p:sp>
+        <p:nvSpPr>
+          <p:cNvPr id="3" name="Notes Placeholder 2"/>
+          <p:cNvSpPr>
+            <a:spLocks noGrp="1"/>
+          </p:cNvSpPr>
+          <p:nvPr>
+            <p:ph type="body" idx="1"/>
+          </p:nvPr>
+        </p:nvSpPr>
+        <p:spPr/>
+        <p:txBody>
+          <a:bodyPr/>
+          <a:lstStyle/>
+          <a:p>
+            <a:r>
+              <a:rPr lang="vi-VN" dirty="0" smtClean="0"/>
+              <a:t>Cuối cùng, em xin gửi lời cảm ơn chân thành đến công ty và anh/chị hướng dẫn đã tạo điều kiện cho em có cơ hội thực tập, học hỏi và thực hiện một dự án thực tế đầy ý nghĩa.</a:t>
+            </a:r>
+          </a:p>
+          <a:p>
+            <a:r>
+              <a:rPr lang="vi-VN" dirty="0" smtClean="0"/>
+              <a:t>Em cũng xin cảm ơn quý thầy cô trong khoa, đã trang bị cho em kiến thức và phương pháp học tập hiệu quả, giúp em tự tin áp dụng vào dự án.</a:t>
+            </a:r>
+          </a:p>
+          <a:p>
+            <a:r>
+              <a:rPr lang="vi-VN" dirty="0" smtClean="0"/>
+              <a:t>Đồng thời, em cũng rất biết ơn các anh/chị và bạn bè đã luôn sẵn sàng hỗ trợ, chia sẻ và động viên em trong suốt quá trình thực hiện báo cáo này.</a:t>
+            </a:r>
+          </a:p>
+          <a:p>
+            <a:r>
+              <a:rPr lang="vi-VN" dirty="0" smtClean="0"/>
+              <a:t>Em xin chân thành cảm ơn quý thầy cô và mọi người đã lắng nghe phần trình bày của em.</a:t>
+            </a:r>
+            <a:endParaRPr lang="vi-VN" dirty="0"/>
+          </a:p>
+        </p:txBody>
+      </p:sp>
+      <p:sp>
+        <p:nvSpPr>
+          <p:cNvPr id="4" name="Slide Number Placeholder 3"/>
+          <p:cNvSpPr>
+            <a:spLocks noGrp="1"/>
+          </p:cNvSpPr>
+          <p:nvPr>
+            <p:ph type="sldNum" sz="quarter" idx="5"/>
+          </p:nvPr>
+        </p:nvSpPr>
+        <p:spPr/>
+        <p:txBody>
+          <a:bodyPr/>
+          <a:lstStyle/>
+          <a:p>
+            <a:fld id="{A89C7E07-3C67-C64C-8DA0-0404F6303970}" type="slidenum">
+              <a:rPr lang="en-US" smtClean="0"/>
+              <a:t>15</a:t>
+            </a:fld>
+            <a:endParaRPr lang="en-US" dirty="0"/>
+          </a:p>
+        </p:txBody>
+      </p:sp>
+    </p:spTree>
+    <p:extLst>
+      <p:ext uri="{BB962C8B-B14F-4D97-AF65-F5344CB8AC3E}">
+        <p14:creationId xmlns:p14="http://schemas.microsoft.com/office/powerpoint/2010/main" val="3837399228"/>
+      </p:ext>
+    </p:extLst>
+  </p:cSld>
+  <p:clrMapOvr>
+    <a:masterClrMapping/>
+  </p:clrMapOvr>
+</p:notes>
+</file>
+
+<file path=ppt/notesSlides/notesSlide16.xml><?xml version="1.0" encoding="utf-8"?>
+<p:notes xmlns:a="http://schemas.openxmlformats.org/drawingml/2006/main" xmlns:r="http://schemas.openxmlformats.org/officeDocument/2006/relationships" xmlns:p="http://schemas.openxmlformats.org/presentationml/2006/main">
+  <p:cSld>
+    <p:spTree>
+      <p:nvGrpSpPr>
+        <p:cNvPr id="1" name=""/>
+        <p:cNvGrpSpPr/>
+        <p:nvPr/>
+      </p:nvGrpSpPr>
+      <p:grpSpPr>
+        <a:xfrm>
+          <a:off x="0" y="0"/>
+          <a:ext cx="0" cy="0"/>
+          <a:chOff x="0" y="0"/>
+          <a:chExt cx="0" cy="0"/>
+        </a:xfrm>
+      </p:grpSpPr>
+      <p:sp>
+        <p:nvSpPr>
+          <p:cNvPr id="2" name="Slide Image Placeholder 1"/>
+          <p:cNvSpPr>
+            <a:spLocks noGrp="1" noRot="1" noChangeAspect="1"/>
+          </p:cNvSpPr>
+          <p:nvPr>
+            <p:ph type="sldImg"/>
+          </p:nvPr>
+        </p:nvSpPr>
+        <p:spPr/>
+      </p:sp>
+      <p:sp>
+        <p:nvSpPr>
+          <p:cNvPr id="3" name="Notes Placeholder 2"/>
+          <p:cNvSpPr>
+            <a:spLocks noGrp="1"/>
+          </p:cNvSpPr>
+          <p:nvPr>
+            <p:ph type="body" idx="1"/>
+          </p:nvPr>
+        </p:nvSpPr>
+        <p:spPr/>
+        <p:txBody>
+          <a:bodyPr/>
+          <a:lstStyle/>
+          <a:p>
+            <a:endParaRPr lang="en-US" dirty="0"/>
+          </a:p>
+        </p:txBody>
+      </p:sp>
+      <p:sp>
+        <p:nvSpPr>
+          <p:cNvPr id="4" name="Slide Number Placeholder 3"/>
+          <p:cNvSpPr>
+            <a:spLocks noGrp="1"/>
+          </p:cNvSpPr>
+          <p:nvPr>
+            <p:ph type="sldNum" sz="quarter" idx="5"/>
+          </p:nvPr>
+        </p:nvSpPr>
+        <p:spPr/>
+        <p:txBody>
+          <a:bodyPr/>
+          <a:lstStyle/>
+          <a:p>
+            <a:fld id="{A89C7E07-3C67-C64C-8DA0-0404F6303970}" type="slidenum">
+              <a:rPr lang="en-US" smtClean="0"/>
+              <a:t>16</a:t>
             </a:fld>
             <a:endParaRPr lang="en-US" dirty="0"/>
           </a:p>
@@ -1326,11 +2076,7 @@
             </a:r>
             <a:r>
               <a:rPr lang="vi-VN" dirty="0" smtClean="0"/>
-              <a:t>, </a:t>
-            </a:r>
-            <a:r>
-              <a:rPr lang="vi-VN" dirty="0" smtClean="0"/>
-              <a:t>được thiết kế dành riêng cho nền tảng iOS, sử dụng SwiftUI kết hợp mô hình MVVM để quản lý logic và giao diện.</a:t>
+              <a:t>, được thiết kế dành riêng cho nền tảng iOS, sử dụng SwiftUI kết hợp mô hình MVVM để quản lý logic và giao diện.</a:t>
             </a:r>
           </a:p>
           <a:p>
@@ -2015,7 +2761,7 @@
                 <a16:creationId xmlns:a16="http://schemas.microsoft.com/office/drawing/2014/main" id="{C26C18C3-ED25-DD4B-BA72-24932D54DE37}"/>
               </a:ext>
               <a:ext uri="{C183D7F6-B498-43B3-948B-1728B52AA6E4}">
-                <adec:decorative xmlns="" xmlns:adec="http://schemas.microsoft.com/office/drawing/2017/decorative" val="1"/>
+                <adec:decorative xmlns:adec="http://schemas.microsoft.com/office/drawing/2017/decorative" xmlns="" val="1"/>
               </a:ext>
             </a:extLst>
           </p:cNvPr>
@@ -2347,7 +3093,7 @@
                 <a16:creationId xmlns:a16="http://schemas.microsoft.com/office/drawing/2014/main" id="{A69706A2-3726-FE4E-B923-E75D48597816}"/>
               </a:ext>
               <a:ext uri="{C183D7F6-B498-43B3-948B-1728B52AA6E4}">
-                <adec:decorative xmlns="" xmlns:adec="http://schemas.microsoft.com/office/drawing/2017/decorative" val="1"/>
+                <adec:decorative xmlns:adec="http://schemas.microsoft.com/office/drawing/2017/decorative" xmlns="" val="1"/>
               </a:ext>
             </a:extLst>
           </p:cNvPr>
@@ -2397,6 +3143,13 @@
   <p:clrMapOvr>
     <a:masterClrMapping/>
   </p:clrMapOvr>
+  <p:timing>
+    <p:tnLst>
+      <p:par>
+        <p:cTn id="1" dur="indefinite" restart="never" nodeType="tmRoot"/>
+      </p:par>
+    </p:tnLst>
+  </p:timing>
 </p:sldLayout>
 </file>
 
@@ -2433,7 +3186,7 @@
                 <a16:creationId xmlns:a16="http://schemas.microsoft.com/office/drawing/2014/main" id="{CF555767-B3D8-BD57-1D42-7F6E1E66892B}"/>
               </a:ext>
               <a:ext uri="{C183D7F6-B498-43B3-948B-1728B52AA6E4}">
-                <adec:decorative xmlns="" xmlns:adec="http://schemas.microsoft.com/office/drawing/2017/decorative" val="1"/>
+                <adec:decorative xmlns:adec="http://schemas.microsoft.com/office/drawing/2017/decorative" xmlns="" val="1"/>
               </a:ext>
             </a:extLst>
           </p:cNvPr>
@@ -2812,7 +3565,7 @@
                 <a16:creationId xmlns:a16="http://schemas.microsoft.com/office/drawing/2014/main" id="{E66081BA-9135-73B1-DCE5-77FD12431F13}"/>
               </a:ext>
               <a:ext uri="{C183D7F6-B498-43B3-948B-1728B52AA6E4}">
-                <adec:decorative xmlns="" xmlns:adec="http://schemas.microsoft.com/office/drawing/2017/decorative" val="1"/>
+                <adec:decorative xmlns:adec="http://schemas.microsoft.com/office/drawing/2017/decorative" xmlns="" val="1"/>
               </a:ext>
             </a:extLst>
           </p:cNvPr>
@@ -3205,7 +3958,7 @@
                 <a16:creationId xmlns:a16="http://schemas.microsoft.com/office/drawing/2014/main" id="{C97D5AF2-684A-4A8D-3D82-B57D7AC44677}"/>
               </a:ext>
               <a:ext uri="{C183D7F6-B498-43B3-948B-1728B52AA6E4}">
-                <adec:decorative xmlns="" xmlns:adec="http://schemas.microsoft.com/office/drawing/2017/decorative" val="1"/>
+                <adec:decorative xmlns:adec="http://schemas.microsoft.com/office/drawing/2017/decorative" xmlns="" val="1"/>
               </a:ext>
             </a:extLst>
           </p:cNvPr>
@@ -3584,7 +4337,7 @@
                 <a16:creationId xmlns:a16="http://schemas.microsoft.com/office/drawing/2014/main" id="{E66081BA-9135-73B1-DCE5-77FD12431F13}"/>
               </a:ext>
               <a:ext uri="{C183D7F6-B498-43B3-948B-1728B52AA6E4}">
-                <adec:decorative xmlns="" xmlns:adec="http://schemas.microsoft.com/office/drawing/2017/decorative" val="1"/>
+                <adec:decorative xmlns:adec="http://schemas.microsoft.com/office/drawing/2017/decorative" xmlns="" val="1"/>
               </a:ext>
             </a:extLst>
           </p:cNvPr>
@@ -3886,6 +4639,13 @@
   <p:clrMapOvr>
     <a:masterClrMapping/>
   </p:clrMapOvr>
+  <p:timing>
+    <p:tnLst>
+      <p:par>
+        <p:cTn id="1" dur="indefinite" restart="never" nodeType="tmRoot"/>
+      </p:par>
+    </p:tnLst>
+  </p:timing>
   <p:extLst>
     <p:ext uri="{DCECCB84-F9BA-43D5-87BE-67443E8EF086}">
       <p15:sldGuideLst xmlns:p15="http://schemas.microsoft.com/office/powerpoint/2012/main">
@@ -4118,7 +4878,7 @@
                 <a16:creationId xmlns:a16="http://schemas.microsoft.com/office/drawing/2014/main" id="{E66081BA-9135-73B1-DCE5-77FD12431F13}"/>
               </a:ext>
               <a:ext uri="{C183D7F6-B498-43B3-948B-1728B52AA6E4}">
-                <adec:decorative xmlns="" xmlns:adec="http://schemas.microsoft.com/office/drawing/2017/decorative" val="1"/>
+                <adec:decorative xmlns:adec="http://schemas.microsoft.com/office/drawing/2017/decorative" xmlns="" val="1"/>
               </a:ext>
             </a:extLst>
           </p:cNvPr>
@@ -4168,6 +4928,13 @@
   <p:clrMapOvr>
     <a:masterClrMapping/>
   </p:clrMapOvr>
+  <p:timing>
+    <p:tnLst>
+      <p:par>
+        <p:cTn id="1" dur="indefinite" restart="never" nodeType="tmRoot"/>
+      </p:par>
+    </p:tnLst>
+  </p:timing>
   <p:extLst>
     <p:ext uri="{DCECCB84-F9BA-43D5-87BE-67443E8EF086}">
       <p15:sldGuideLst xmlns:p15="http://schemas.microsoft.com/office/powerpoint/2012/main">
@@ -4305,7 +5072,7 @@
                 <a16:creationId xmlns:a16="http://schemas.microsoft.com/office/drawing/2014/main" id="{C26C18C3-ED25-DD4B-BA72-24932D54DE37}"/>
               </a:ext>
               <a:ext uri="{C183D7F6-B498-43B3-948B-1728B52AA6E4}">
-                <adec:decorative xmlns="" xmlns:adec="http://schemas.microsoft.com/office/drawing/2017/decorative" val="1"/>
+                <adec:decorative xmlns:adec="http://schemas.microsoft.com/office/drawing/2017/decorative" xmlns="" val="1"/>
               </a:ext>
             </a:extLst>
           </p:cNvPr>
@@ -4697,7 +5464,7 @@
                 <a16:creationId xmlns:a16="http://schemas.microsoft.com/office/drawing/2014/main" id="{58B149C6-5AAC-B8E5-5411-EA38821F6754}"/>
               </a:ext>
               <a:ext uri="{C183D7F6-B498-43B3-948B-1728B52AA6E4}">
-                <adec:decorative xmlns="" xmlns:adec="http://schemas.microsoft.com/office/drawing/2017/decorative" val="1"/>
+                <adec:decorative xmlns:adec="http://schemas.microsoft.com/office/drawing/2017/decorative" xmlns="" val="1"/>
               </a:ext>
             </a:extLst>
           </p:cNvPr>
@@ -4775,7 +5542,7 @@
                 <a16:creationId xmlns:a16="http://schemas.microsoft.com/office/drawing/2014/main" id="{806C6F65-35CD-D64B-992A-0C1C1E00384D}"/>
               </a:ext>
               <a:ext uri="{C183D7F6-B498-43B3-948B-1728B52AA6E4}">
-                <adec:decorative xmlns="" xmlns:adec="http://schemas.microsoft.com/office/drawing/2017/decorative" val="1"/>
+                <adec:decorative xmlns:adec="http://schemas.microsoft.com/office/drawing/2017/decorative" xmlns="" val="1"/>
               </a:ext>
             </a:extLst>
           </p:cNvPr>
@@ -5583,7 +6350,7 @@
                 <a16:creationId xmlns:a16="http://schemas.microsoft.com/office/drawing/2014/main" id="{979826C1-7A52-DA25-F422-EE62DED7D1B6}"/>
               </a:ext>
               <a:ext uri="{C183D7F6-B498-43B3-948B-1728B52AA6E4}">
-                <adec:decorative xmlns="" xmlns:adec="http://schemas.microsoft.com/office/drawing/2017/decorative" val="1"/>
+                <adec:decorative xmlns:adec="http://schemas.microsoft.com/office/drawing/2017/decorative" xmlns="" val="1"/>
               </a:ext>
             </a:extLst>
           </p:cNvPr>
@@ -5593,9 +6360,9 @@
           <p:nvPr userDrawn="1"/>
         </p:nvCxnSpPr>
         <p:spPr>
-          <a:xfrm>
-            <a:off x="594360" y="2148840"/>
-            <a:ext cx="2130552" cy="0"/>
+          <a:xfrm flipV="1">
+            <a:off x="594359" y="1934308"/>
+            <a:ext cx="2052126" cy="4340"/>
           </a:xfrm>
           <a:prstGeom prst="line">
             <a:avLst/>
@@ -5633,6 +6400,13 @@
   <p:clrMapOvr>
     <a:masterClrMapping/>
   </p:clrMapOvr>
+  <p:timing>
+    <p:tnLst>
+      <p:par>
+        <p:cTn id="1" dur="indefinite" restart="never" nodeType="tmRoot"/>
+      </p:par>
+    </p:tnLst>
+  </p:timing>
 </p:sldLayout>
 </file>
 
@@ -5839,7 +6613,7 @@
                 <a16:creationId xmlns:a16="http://schemas.microsoft.com/office/drawing/2014/main" id="{D96BA398-1ED2-1FCA-63B9-8915A8C7A524}"/>
               </a:ext>
               <a:ext uri="{C183D7F6-B498-43B3-948B-1728B52AA6E4}">
-                <adec:decorative xmlns="" xmlns:adec="http://schemas.microsoft.com/office/drawing/2017/decorative" val="1"/>
+                <adec:decorative xmlns:adec="http://schemas.microsoft.com/office/drawing/2017/decorative" xmlns="" val="1"/>
               </a:ext>
             </a:extLst>
           </p:cNvPr>
@@ -5896,6 +6670,13 @@
   <p:clrMapOvr>
     <a:masterClrMapping/>
   </p:clrMapOvr>
+  <p:timing>
+    <p:tnLst>
+      <p:par>
+        <p:cTn id="1" dur="indefinite" restart="never" nodeType="tmRoot"/>
+      </p:par>
+    </p:tnLst>
+  </p:timing>
   <p:extLst>
     <p:ext uri="{DCECCB84-F9BA-43D5-87BE-67443E8EF086}">
       <p15:sldGuideLst xmlns:p15="http://schemas.microsoft.com/office/powerpoint/2012/main">
@@ -6108,7 +6889,7 @@
                 <a16:creationId xmlns:a16="http://schemas.microsoft.com/office/drawing/2014/main" id="{29169ED6-4B82-6844-119F-AC15CDF2D3E5}"/>
               </a:ext>
               <a:ext uri="{C183D7F6-B498-43B3-948B-1728B52AA6E4}">
-                <adec:decorative xmlns="" xmlns:adec="http://schemas.microsoft.com/office/drawing/2017/decorative" val="1"/>
+                <adec:decorative xmlns:adec="http://schemas.microsoft.com/office/drawing/2017/decorative" xmlns="" val="1"/>
               </a:ext>
             </a:extLst>
           </p:cNvPr>
@@ -6194,7 +6975,7 @@
                 <a16:creationId xmlns:a16="http://schemas.microsoft.com/office/drawing/2014/main" id="{C57F1500-1A16-D1EF-4F0C-030852B291FC}"/>
               </a:ext>
               <a:ext uri="{C183D7F6-B498-43B3-948B-1728B52AA6E4}">
-                <adec:decorative xmlns="" xmlns:adec="http://schemas.microsoft.com/office/drawing/2017/decorative" val="1"/>
+                <adec:decorative xmlns:adec="http://schemas.microsoft.com/office/drawing/2017/decorative" xmlns="" val="1"/>
               </a:ext>
             </a:extLst>
           </p:cNvPr>
@@ -6242,7 +7023,7 @@
                 <a16:creationId xmlns:a16="http://schemas.microsoft.com/office/drawing/2014/main" id="{2D07A0BE-3890-193E-9439-F294E61A71B9}"/>
               </a:ext>
               <a:ext uri="{C183D7F6-B498-43B3-948B-1728B52AA6E4}">
-                <adec:decorative xmlns="" xmlns:adec="http://schemas.microsoft.com/office/drawing/2017/decorative" val="1"/>
+                <adec:decorative xmlns:adec="http://schemas.microsoft.com/office/drawing/2017/decorative" xmlns="" val="1"/>
               </a:ext>
             </a:extLst>
           </p:cNvPr>
@@ -6776,6 +7557,13 @@
   <p:clrMapOvr>
     <a:overrideClrMapping bg1="dk1" tx1="lt1" bg2="dk2" tx2="lt2" accent1="accent1" accent2="accent2" accent3="accent3" accent4="accent4" accent5="accent5" accent6="accent6" hlink="hlink" folHlink="folHlink"/>
   </p:clrMapOvr>
+  <p:timing>
+    <p:tnLst>
+      <p:par>
+        <p:cTn id="1" dur="indefinite" restart="never" nodeType="tmRoot"/>
+      </p:par>
+    </p:tnLst>
+  </p:timing>
   <p:extLst>
     <p:ext uri="{DCECCB84-F9BA-43D5-87BE-67443E8EF086}">
       <p15:sldGuideLst xmlns:p15="http://schemas.microsoft.com/office/powerpoint/2012/main">
@@ -6923,7 +7711,7 @@
                 <a16:creationId xmlns:a16="http://schemas.microsoft.com/office/drawing/2014/main" id="{C26C18C3-ED25-DD4B-BA72-24932D54DE37}"/>
               </a:ext>
               <a:ext uri="{C183D7F6-B498-43B3-948B-1728B52AA6E4}">
-                <adec:decorative xmlns="" xmlns:adec="http://schemas.microsoft.com/office/drawing/2017/decorative" val="1"/>
+                <adec:decorative xmlns:adec="http://schemas.microsoft.com/office/drawing/2017/decorative" xmlns="" val="1"/>
               </a:ext>
             </a:extLst>
           </p:cNvPr>
@@ -7255,7 +8043,7 @@
                 <a16:creationId xmlns:a16="http://schemas.microsoft.com/office/drawing/2014/main" id="{A69706A2-3726-FE4E-B923-E75D48597816}"/>
               </a:ext>
               <a:ext uri="{C183D7F6-B498-43B3-948B-1728B52AA6E4}">
-                <adec:decorative xmlns="" xmlns:adec="http://schemas.microsoft.com/office/drawing/2017/decorative" val="1"/>
+                <adec:decorative xmlns:adec="http://schemas.microsoft.com/office/drawing/2017/decorative" xmlns="" val="1"/>
               </a:ext>
             </a:extLst>
           </p:cNvPr>
@@ -7401,7 +8189,7 @@
                 <a16:creationId xmlns:a16="http://schemas.microsoft.com/office/drawing/2014/main" id="{C97D5AF2-684A-4A8D-3D82-B57D7AC44677}"/>
               </a:ext>
               <a:ext uri="{C183D7F6-B498-43B3-948B-1728B52AA6E4}">
-                <adec:decorative xmlns="" xmlns:adec="http://schemas.microsoft.com/office/drawing/2017/decorative" val="1"/>
+                <adec:decorative xmlns:adec="http://schemas.microsoft.com/office/drawing/2017/decorative" xmlns="" val="1"/>
               </a:ext>
             </a:extLst>
           </p:cNvPr>
@@ -8033,7 +8821,7 @@
                 <a16:creationId xmlns:a16="http://schemas.microsoft.com/office/drawing/2014/main" id="{E66081BA-9135-73B1-DCE5-77FD12431F13}"/>
               </a:ext>
               <a:ext uri="{C183D7F6-B498-43B3-948B-1728B52AA6E4}">
-                <adec:decorative xmlns="" xmlns:adec="http://schemas.microsoft.com/office/drawing/2017/decorative" val="1"/>
+                <adec:decorative xmlns:adec="http://schemas.microsoft.com/office/drawing/2017/decorative" xmlns="" val="1"/>
               </a:ext>
             </a:extLst>
           </p:cNvPr>
@@ -8170,7 +8958,7 @@
                 <a16:creationId xmlns:a16="http://schemas.microsoft.com/office/drawing/2014/main" id="{42E558A9-6DD6-E21D-3A8F-6707E1DD19F1}"/>
               </a:ext>
               <a:ext uri="{C183D7F6-B498-43B3-948B-1728B52AA6E4}">
-                <adec:decorative xmlns="" xmlns:adec="http://schemas.microsoft.com/office/drawing/2017/decorative" val="1"/>
+                <adec:decorative xmlns:adec="http://schemas.microsoft.com/office/drawing/2017/decorative" xmlns="" val="1"/>
               </a:ext>
             </a:extLst>
           </p:cNvPr>
@@ -8813,7 +9601,7 @@
                 <a16:creationId xmlns:a16="http://schemas.microsoft.com/office/drawing/2014/main" id="{E66081BA-9135-73B1-DCE5-77FD12431F13}"/>
               </a:ext>
               <a:ext uri="{C183D7F6-B498-43B3-948B-1728B52AA6E4}">
-                <adec:decorative xmlns="" xmlns:adec="http://schemas.microsoft.com/office/drawing/2017/decorative" val="1"/>
+                <adec:decorative xmlns:adec="http://schemas.microsoft.com/office/drawing/2017/decorative" xmlns="" val="1"/>
               </a:ext>
             </a:extLst>
           </p:cNvPr>
@@ -9345,7 +10133,7 @@
                 <a16:creationId xmlns:a16="http://schemas.microsoft.com/office/drawing/2014/main" id="{E66081BA-9135-73B1-DCE5-77FD12431F13}"/>
               </a:ext>
               <a:ext uri="{C183D7F6-B498-43B3-948B-1728B52AA6E4}">
-                <adec:decorative xmlns="" xmlns:adec="http://schemas.microsoft.com/office/drawing/2017/decorative" val="1"/>
+                <adec:decorative xmlns:adec="http://schemas.microsoft.com/office/drawing/2017/decorative" xmlns="" val="1"/>
               </a:ext>
             </a:extLst>
           </p:cNvPr>
@@ -9796,6 +10584,13 @@
     <p:sldLayoutId id="2147483704" r:id="rId12"/>
     <p:sldLayoutId id="2147483703" r:id="rId13"/>
   </p:sldLayoutIdLst>
+  <p:timing>
+    <p:tnLst>
+      <p:par>
+        <p:cTn id="1" dur="indefinite" restart="never" nodeType="tmRoot"/>
+      </p:par>
+    </p:tnLst>
+  </p:timing>
   <p:hf sldNum="0" hdr="0" ftr="0" dt="0"/>
   <p:txStyles>
     <p:titleStyle>
@@ -10275,14 +11070,7 @@
                 <a:latin typeface="Times New Roman" panose="02020603050405020304" pitchFamily="18" charset="0"/>
                 <a:cs typeface="Times New Roman" panose="02020603050405020304" pitchFamily="18" charset="0"/>
               </a:rPr>
-              <a:t>SHOPPING </a:t>
-            </a:r>
-            <a:r>
-              <a:rPr lang="en-US" dirty="0" smtClean="0">
-                <a:latin typeface="Times New Roman" panose="02020603050405020304" pitchFamily="18" charset="0"/>
-                <a:cs typeface="Times New Roman" panose="02020603050405020304" pitchFamily="18" charset="0"/>
-              </a:rPr>
-              <a:t>APP</a:t>
+              <a:t>SHOPPING APP</a:t>
             </a:r>
             <a:endParaRPr lang="en-US" dirty="0">
               <a:latin typeface="Times New Roman" panose="02020603050405020304" pitchFamily="18" charset="0"/>
@@ -10497,6 +11285,1969 @@
 </file>
 
 <file path=ppt/slides/slide10.xml><?xml version="1.0" encoding="utf-8"?>
+<p:sld xmlns:a="http://schemas.openxmlformats.org/drawingml/2006/main" xmlns:r="http://schemas.openxmlformats.org/officeDocument/2006/relationships" xmlns:p="http://schemas.openxmlformats.org/presentationml/2006/main">
+  <p:cSld>
+    <p:spTree>
+      <p:nvGrpSpPr>
+        <p:cNvPr id="1" name=""/>
+        <p:cNvGrpSpPr/>
+        <p:nvPr/>
+      </p:nvGrpSpPr>
+      <p:grpSpPr>
+        <a:xfrm>
+          <a:off x="0" y="0"/>
+          <a:ext cx="0" cy="0"/>
+          <a:chOff x="0" y="0"/>
+          <a:chExt cx="0" cy="0"/>
+        </a:xfrm>
+      </p:grpSpPr>
+      <p:sp>
+        <p:nvSpPr>
+          <p:cNvPr id="2" name="Title 1">
+            <a:extLst>
+              <a:ext uri="{FF2B5EF4-FFF2-40B4-BE49-F238E27FC236}">
+                <a16:creationId xmlns:a16="http://schemas.microsoft.com/office/drawing/2014/main" id="{F0759DC4-8B30-98A0-5BAB-C78BA4A4AD55}"/>
+              </a:ext>
+            </a:extLst>
+          </p:cNvPr>
+          <p:cNvSpPr>
+            <a:spLocks noGrp="1"/>
+          </p:cNvSpPr>
+          <p:nvPr>
+            <p:ph type="title"/>
+          </p:nvPr>
+        </p:nvSpPr>
+        <p:spPr>
+          <a:xfrm>
+            <a:off x="594360" y="198408"/>
+            <a:ext cx="10972800" cy="1574317"/>
+          </a:xfrm>
+        </p:spPr>
+        <p:txBody>
+          <a:bodyPr/>
+          <a:lstStyle/>
+          <a:p>
+            <a:r>
+              <a:rPr lang="en-US" dirty="0" smtClean="0">
+                <a:latin typeface="Times New Roman" panose="02020603050405020304" pitchFamily="18" charset="0"/>
+                <a:cs typeface="Times New Roman" panose="02020603050405020304" pitchFamily="18" charset="0"/>
+              </a:rPr>
+              <a:t>6. </a:t>
+            </a:r>
+            <a:r>
+              <a:rPr lang="en-US" dirty="0" err="1" smtClean="0">
+                <a:latin typeface="Times New Roman" panose="02020603050405020304" pitchFamily="18" charset="0"/>
+                <a:cs typeface="Times New Roman" panose="02020603050405020304" pitchFamily="18" charset="0"/>
+              </a:rPr>
+              <a:t>Ứng</a:t>
+            </a:r>
+            <a:r>
+              <a:rPr lang="en-US" dirty="0" smtClean="0">
+                <a:latin typeface="Times New Roman" panose="02020603050405020304" pitchFamily="18" charset="0"/>
+                <a:cs typeface="Times New Roman" panose="02020603050405020304" pitchFamily="18" charset="0"/>
+              </a:rPr>
+              <a:t> </a:t>
+            </a:r>
+            <a:r>
+              <a:rPr lang="en-US" dirty="0" err="1" smtClean="0">
+                <a:latin typeface="Times New Roman" panose="02020603050405020304" pitchFamily="18" charset="0"/>
+                <a:cs typeface="Times New Roman" panose="02020603050405020304" pitchFamily="18" charset="0"/>
+              </a:rPr>
+              <a:t>dụng</a:t>
+            </a:r>
+            <a:r>
+              <a:rPr lang="en-US" dirty="0" smtClean="0">
+                <a:latin typeface="Times New Roman" panose="02020603050405020304" pitchFamily="18" charset="0"/>
+                <a:cs typeface="Times New Roman" panose="02020603050405020304" pitchFamily="18" charset="0"/>
+              </a:rPr>
+              <a:t> AI</a:t>
+            </a:r>
+            <a:endParaRPr lang="en-US" dirty="0">
+              <a:latin typeface="Times New Roman" panose="02020603050405020304" pitchFamily="18" charset="0"/>
+              <a:cs typeface="Times New Roman" panose="02020603050405020304" pitchFamily="18" charset="0"/>
+            </a:endParaRPr>
+          </a:p>
+        </p:txBody>
+      </p:sp>
+      <p:sp>
+        <p:nvSpPr>
+          <p:cNvPr id="3" name="Content Placeholder 2">
+            <a:extLst>
+              <a:ext uri="{FF2B5EF4-FFF2-40B4-BE49-F238E27FC236}">
+                <a16:creationId xmlns:a16="http://schemas.microsoft.com/office/drawing/2014/main" id="{DB097449-5B72-ADA0-3B2D-1CBC160D6B90}"/>
+              </a:ext>
+            </a:extLst>
+          </p:cNvPr>
+          <p:cNvSpPr>
+            <a:spLocks noGrp="1"/>
+          </p:cNvSpPr>
+          <p:nvPr>
+            <p:ph sz="quarter" idx="4294967295"/>
+          </p:nvPr>
+        </p:nvSpPr>
+        <p:spPr>
+          <a:xfrm>
+            <a:off x="594360" y="2676525"/>
+            <a:ext cx="10548561" cy="3597470"/>
+          </a:xfrm>
+          <a:prstGeom prst="rect">
+            <a:avLst/>
+          </a:prstGeom>
+        </p:spPr>
+        <p:txBody>
+          <a:bodyPr/>
+          <a:lstStyle/>
+          <a:p>
+            <a:pPr marL="740664" lvl="1" indent="-457200">
+              <a:lnSpc>
+                <a:spcPct val="100000"/>
+              </a:lnSpc>
+              <a:spcBef>
+                <a:spcPts val="600"/>
+              </a:spcBef>
+            </a:pPr>
+            <a:r>
+              <a:rPr lang="en-US" sz="2800" dirty="0" smtClean="0">
+                <a:latin typeface="Times New Roman" panose="02020603050405020304" pitchFamily="18" charset="0"/>
+                <a:cs typeface="Times New Roman" panose="02020603050405020304" pitchFamily="18" charset="0"/>
+              </a:rPr>
+              <a:t>Ý </a:t>
+            </a:r>
+            <a:r>
+              <a:rPr lang="en-US" sz="2800" dirty="0" err="1" smtClean="0">
+                <a:latin typeface="Times New Roman" panose="02020603050405020304" pitchFamily="18" charset="0"/>
+                <a:cs typeface="Times New Roman" panose="02020603050405020304" pitchFamily="18" charset="0"/>
+              </a:rPr>
+              <a:t>tưởng</a:t>
+            </a:r>
+            <a:r>
+              <a:rPr lang="en-US" sz="2800" dirty="0" smtClean="0">
+                <a:latin typeface="Times New Roman" panose="02020603050405020304" pitchFamily="18" charset="0"/>
+                <a:cs typeface="Times New Roman" panose="02020603050405020304" pitchFamily="18" charset="0"/>
+              </a:rPr>
+              <a:t>:</a:t>
+            </a:r>
+          </a:p>
+          <a:p>
+            <a:pPr marL="1197864" lvl="2" indent="-457200">
+              <a:lnSpc>
+                <a:spcPct val="100000"/>
+              </a:lnSpc>
+              <a:spcBef>
+                <a:spcPts val="600"/>
+              </a:spcBef>
+              <a:buFont typeface="+mj-lt"/>
+              <a:buAutoNum type="arabicPeriod"/>
+            </a:pPr>
+            <a:r>
+              <a:rPr lang="en-US" sz="2800" dirty="0" err="1" smtClean="0">
+                <a:latin typeface="Times New Roman" panose="02020603050405020304" pitchFamily="18" charset="0"/>
+                <a:cs typeface="Times New Roman" panose="02020603050405020304" pitchFamily="18" charset="0"/>
+              </a:rPr>
+              <a:t>Tìm</a:t>
+            </a:r>
+            <a:r>
+              <a:rPr lang="en-US" sz="2800" dirty="0" smtClean="0">
+                <a:latin typeface="Times New Roman" panose="02020603050405020304" pitchFamily="18" charset="0"/>
+                <a:cs typeface="Times New Roman" panose="02020603050405020304" pitchFamily="18" charset="0"/>
+              </a:rPr>
+              <a:t> </a:t>
+            </a:r>
+            <a:r>
+              <a:rPr lang="en-US" sz="2800" dirty="0" err="1" smtClean="0">
+                <a:latin typeface="Times New Roman" panose="02020603050405020304" pitchFamily="18" charset="0"/>
+                <a:cs typeface="Times New Roman" panose="02020603050405020304" pitchFamily="18" charset="0"/>
+              </a:rPr>
+              <a:t>kiếm</a:t>
+            </a:r>
+            <a:r>
+              <a:rPr lang="en-US" sz="2800" dirty="0" smtClean="0">
+                <a:latin typeface="Times New Roman" panose="02020603050405020304" pitchFamily="18" charset="0"/>
+                <a:cs typeface="Times New Roman" panose="02020603050405020304" pitchFamily="18" charset="0"/>
+              </a:rPr>
+              <a:t> </a:t>
+            </a:r>
+            <a:r>
+              <a:rPr lang="en-US" sz="2800" dirty="0" err="1" smtClean="0">
+                <a:latin typeface="Times New Roman" panose="02020603050405020304" pitchFamily="18" charset="0"/>
+                <a:cs typeface="Times New Roman" panose="02020603050405020304" pitchFamily="18" charset="0"/>
+              </a:rPr>
+              <a:t>bằng</a:t>
+            </a:r>
+            <a:r>
+              <a:rPr lang="en-US" sz="2800" dirty="0" smtClean="0">
+                <a:latin typeface="Times New Roman" panose="02020603050405020304" pitchFamily="18" charset="0"/>
+                <a:cs typeface="Times New Roman" panose="02020603050405020304" pitchFamily="18" charset="0"/>
+              </a:rPr>
+              <a:t> </a:t>
+            </a:r>
+            <a:r>
+              <a:rPr lang="en-US" sz="2800" dirty="0" err="1" smtClean="0">
+                <a:latin typeface="Times New Roman" panose="02020603050405020304" pitchFamily="18" charset="0"/>
+                <a:cs typeface="Times New Roman" panose="02020603050405020304" pitchFamily="18" charset="0"/>
+              </a:rPr>
+              <a:t>hình</a:t>
+            </a:r>
+            <a:r>
+              <a:rPr lang="en-US" sz="2800" dirty="0" smtClean="0">
+                <a:latin typeface="Times New Roman" panose="02020603050405020304" pitchFamily="18" charset="0"/>
+                <a:cs typeface="Times New Roman" panose="02020603050405020304" pitchFamily="18" charset="0"/>
+              </a:rPr>
+              <a:t> </a:t>
+            </a:r>
+            <a:r>
+              <a:rPr lang="en-US" sz="2800" dirty="0" err="1" smtClean="0">
+                <a:latin typeface="Times New Roman" panose="02020603050405020304" pitchFamily="18" charset="0"/>
+                <a:cs typeface="Times New Roman" panose="02020603050405020304" pitchFamily="18" charset="0"/>
+              </a:rPr>
+              <a:t>ảnh</a:t>
+            </a:r>
+            <a:endParaRPr lang="en-US" sz="2800" dirty="0" smtClean="0">
+              <a:latin typeface="Times New Roman" panose="02020603050405020304" pitchFamily="18" charset="0"/>
+              <a:cs typeface="Times New Roman" panose="02020603050405020304" pitchFamily="18" charset="0"/>
+            </a:endParaRPr>
+          </a:p>
+          <a:p>
+            <a:pPr marL="1197864" lvl="2" indent="-457200">
+              <a:lnSpc>
+                <a:spcPct val="100000"/>
+              </a:lnSpc>
+              <a:spcBef>
+                <a:spcPts val="600"/>
+              </a:spcBef>
+              <a:buFont typeface="+mj-lt"/>
+              <a:buAutoNum type="arabicPeriod"/>
+            </a:pPr>
+            <a:r>
+              <a:rPr lang="en-US" sz="2800" dirty="0" err="1" smtClean="0">
+                <a:latin typeface="Times New Roman" panose="02020603050405020304" pitchFamily="18" charset="0"/>
+                <a:cs typeface="Times New Roman" panose="02020603050405020304" pitchFamily="18" charset="0"/>
+              </a:rPr>
+              <a:t>Tìm</a:t>
+            </a:r>
+            <a:r>
+              <a:rPr lang="en-US" sz="2800" dirty="0" smtClean="0">
+                <a:latin typeface="Times New Roman" panose="02020603050405020304" pitchFamily="18" charset="0"/>
+                <a:cs typeface="Times New Roman" panose="02020603050405020304" pitchFamily="18" charset="0"/>
+              </a:rPr>
+              <a:t> </a:t>
+            </a:r>
+            <a:r>
+              <a:rPr lang="en-US" sz="2800" dirty="0" err="1" smtClean="0">
+                <a:latin typeface="Times New Roman" panose="02020603050405020304" pitchFamily="18" charset="0"/>
+                <a:cs typeface="Times New Roman" panose="02020603050405020304" pitchFamily="18" charset="0"/>
+              </a:rPr>
+              <a:t>kiếm</a:t>
+            </a:r>
+            <a:r>
+              <a:rPr lang="en-US" sz="2800" dirty="0" smtClean="0">
+                <a:latin typeface="Times New Roman" panose="02020603050405020304" pitchFamily="18" charset="0"/>
+                <a:cs typeface="Times New Roman" panose="02020603050405020304" pitchFamily="18" charset="0"/>
+              </a:rPr>
+              <a:t> </a:t>
+            </a:r>
+            <a:r>
+              <a:rPr lang="en-US" sz="2800" dirty="0" err="1" smtClean="0">
+                <a:latin typeface="Times New Roman" panose="02020603050405020304" pitchFamily="18" charset="0"/>
+                <a:cs typeface="Times New Roman" panose="02020603050405020304" pitchFamily="18" charset="0"/>
+              </a:rPr>
+              <a:t>theo</a:t>
+            </a:r>
+            <a:r>
+              <a:rPr lang="en-US" sz="2800" dirty="0" smtClean="0">
+                <a:latin typeface="Times New Roman" panose="02020603050405020304" pitchFamily="18" charset="0"/>
+                <a:cs typeface="Times New Roman" panose="02020603050405020304" pitchFamily="18" charset="0"/>
+              </a:rPr>
+              <a:t> </a:t>
+            </a:r>
+            <a:r>
+              <a:rPr lang="en-US" sz="2800" dirty="0" err="1" smtClean="0">
+                <a:latin typeface="Times New Roman" panose="02020603050405020304" pitchFamily="18" charset="0"/>
+                <a:cs typeface="Times New Roman" panose="02020603050405020304" pitchFamily="18" charset="0"/>
+              </a:rPr>
+              <a:t>ngữ</a:t>
+            </a:r>
+            <a:r>
+              <a:rPr lang="en-US" sz="2800" dirty="0" smtClean="0">
+                <a:latin typeface="Times New Roman" panose="02020603050405020304" pitchFamily="18" charset="0"/>
+                <a:cs typeface="Times New Roman" panose="02020603050405020304" pitchFamily="18" charset="0"/>
+              </a:rPr>
+              <a:t> </a:t>
+            </a:r>
+            <a:r>
+              <a:rPr lang="en-US" sz="2800" dirty="0" err="1" smtClean="0">
+                <a:latin typeface="Times New Roman" panose="02020603050405020304" pitchFamily="18" charset="0"/>
+                <a:cs typeface="Times New Roman" panose="02020603050405020304" pitchFamily="18" charset="0"/>
+              </a:rPr>
+              <a:t>nghĩa</a:t>
+            </a:r>
+            <a:endParaRPr lang="en-US" sz="2800" dirty="0">
+              <a:latin typeface="Times New Roman" panose="02020603050405020304" pitchFamily="18" charset="0"/>
+              <a:cs typeface="Times New Roman" panose="02020603050405020304" pitchFamily="18" charset="0"/>
+            </a:endParaRPr>
+          </a:p>
+          <a:p>
+            <a:pPr marL="740664" lvl="1" indent="-457200">
+              <a:lnSpc>
+                <a:spcPct val="100000"/>
+              </a:lnSpc>
+              <a:spcBef>
+                <a:spcPts val="600"/>
+              </a:spcBef>
+              <a:buFont typeface="+mj-lt"/>
+              <a:buAutoNum type="arabicPeriod"/>
+            </a:pPr>
+            <a:endParaRPr lang="en-US" sz="2800" dirty="0" smtClean="0">
+              <a:latin typeface="Times New Roman" panose="02020603050405020304" pitchFamily="18" charset="0"/>
+              <a:cs typeface="Times New Roman" panose="02020603050405020304" pitchFamily="18" charset="0"/>
+            </a:endParaRPr>
+          </a:p>
+        </p:txBody>
+      </p:sp>
+      <p:pic>
+        <p:nvPicPr>
+          <p:cNvPr id="1026" name="Picture 2" descr="File:Google Lens Icon.svg - Wikimedia Commons"/>
+          <p:cNvPicPr>
+            <a:picLocks noChangeAspect="1" noChangeArrowheads="1"/>
+          </p:cNvPicPr>
+          <p:nvPr/>
+        </p:nvPicPr>
+        <p:blipFill>
+          <a:blip r:embed="rId3" cstate="hqprint">
+            <a:extLst>
+              <a:ext uri="{28A0092B-C50C-407E-A947-70E740481C1C}">
+                <a14:useLocalDpi xmlns:a14="http://schemas.microsoft.com/office/drawing/2010/main" val="0"/>
+              </a:ext>
+            </a:extLst>
+          </a:blip>
+          <a:srcRect/>
+          <a:stretch>
+            <a:fillRect/>
+          </a:stretch>
+        </p:blipFill>
+        <p:spPr bwMode="auto">
+          <a:xfrm>
+            <a:off x="6876445" y="985566"/>
+            <a:ext cx="2683318" cy="2683318"/>
+          </a:xfrm>
+          <a:prstGeom prst="rect">
+            <a:avLst/>
+          </a:prstGeom>
+          <a:noFill/>
+          <a:extLst>
+            <a:ext uri="{909E8E84-426E-40DD-AFC4-6F175D3DCCD1}">
+              <a14:hiddenFill xmlns:a14="http://schemas.microsoft.com/office/drawing/2010/main">
+                <a:solidFill>
+                  <a:srgbClr val="FFFFFF"/>
+                </a:solidFill>
+              </a14:hiddenFill>
+            </a:ext>
+          </a:extLst>
+        </p:spPr>
+      </p:pic>
+      <p:pic>
+        <p:nvPicPr>
+          <p:cNvPr id="1028" name="Picture 4" descr="Semantic search: The key to higher productivity"/>
+          <p:cNvPicPr>
+            <a:picLocks noChangeAspect="1" noChangeArrowheads="1"/>
+          </p:cNvPicPr>
+          <p:nvPr/>
+        </p:nvPicPr>
+        <p:blipFill>
+          <a:blip r:embed="rId4">
+            <a:extLst>
+              <a:ext uri="{28A0092B-C50C-407E-A947-70E740481C1C}">
+                <a14:useLocalDpi xmlns:a14="http://schemas.microsoft.com/office/drawing/2010/main" val="0"/>
+              </a:ext>
+            </a:extLst>
+          </a:blip>
+          <a:srcRect/>
+          <a:stretch>
+            <a:fillRect/>
+          </a:stretch>
+        </p:blipFill>
+        <p:spPr bwMode="auto">
+          <a:xfrm>
+            <a:off x="6080760" y="3982185"/>
+            <a:ext cx="4274688" cy="2394617"/>
+          </a:xfrm>
+          <a:prstGeom prst="rect">
+            <a:avLst/>
+          </a:prstGeom>
+          <a:noFill/>
+          <a:extLst>
+            <a:ext uri="{909E8E84-426E-40DD-AFC4-6F175D3DCCD1}">
+              <a14:hiddenFill xmlns:a14="http://schemas.microsoft.com/office/drawing/2010/main">
+                <a:solidFill>
+                  <a:srgbClr val="FFFFFF"/>
+                </a:solidFill>
+              </a14:hiddenFill>
+            </a:ext>
+          </a:extLst>
+        </p:spPr>
+      </p:pic>
+    </p:spTree>
+    <p:extLst>
+      <p:ext uri="{BB962C8B-B14F-4D97-AF65-F5344CB8AC3E}">
+        <p14:creationId xmlns:p14="http://schemas.microsoft.com/office/powerpoint/2010/main" val="549266245"/>
+      </p:ext>
+    </p:extLst>
+  </p:cSld>
+  <p:clrMapOvr>
+    <a:masterClrMapping/>
+  </p:clrMapOvr>
+  <p:timing>
+    <p:tnLst>
+      <p:par>
+        <p:cTn id="1" dur="indefinite" restart="never" nodeType="tmRoot"/>
+      </p:par>
+    </p:tnLst>
+  </p:timing>
+</p:sld>
+</file>
+
+<file path=ppt/slides/slide11.xml><?xml version="1.0" encoding="utf-8"?>
+<p:sld xmlns:a="http://schemas.openxmlformats.org/drawingml/2006/main" xmlns:r="http://schemas.openxmlformats.org/officeDocument/2006/relationships" xmlns:p="http://schemas.openxmlformats.org/presentationml/2006/main">
+  <p:cSld>
+    <p:spTree>
+      <p:nvGrpSpPr>
+        <p:cNvPr id="1" name=""/>
+        <p:cNvGrpSpPr/>
+        <p:nvPr/>
+      </p:nvGrpSpPr>
+      <p:grpSpPr>
+        <a:xfrm>
+          <a:off x="0" y="0"/>
+          <a:ext cx="0" cy="0"/>
+          <a:chOff x="0" y="0"/>
+          <a:chExt cx="0" cy="0"/>
+        </a:xfrm>
+      </p:grpSpPr>
+      <p:sp>
+        <p:nvSpPr>
+          <p:cNvPr id="2" name="Title 1">
+            <a:extLst>
+              <a:ext uri="{FF2B5EF4-FFF2-40B4-BE49-F238E27FC236}">
+                <a16:creationId xmlns:a16="http://schemas.microsoft.com/office/drawing/2014/main" id="{F0759DC4-8B30-98A0-5BAB-C78BA4A4AD55}"/>
+              </a:ext>
+            </a:extLst>
+          </p:cNvPr>
+          <p:cNvSpPr>
+            <a:spLocks noGrp="1"/>
+          </p:cNvSpPr>
+          <p:nvPr>
+            <p:ph type="title"/>
+          </p:nvPr>
+        </p:nvSpPr>
+        <p:spPr>
+          <a:xfrm>
+            <a:off x="594360" y="198408"/>
+            <a:ext cx="10972800" cy="1574317"/>
+          </a:xfrm>
+        </p:spPr>
+        <p:txBody>
+          <a:bodyPr/>
+          <a:lstStyle/>
+          <a:p>
+            <a:r>
+              <a:rPr lang="en-US" dirty="0" smtClean="0">
+                <a:latin typeface="Times New Roman" panose="02020603050405020304" pitchFamily="18" charset="0"/>
+                <a:cs typeface="Times New Roman" panose="02020603050405020304" pitchFamily="18" charset="0"/>
+              </a:rPr>
+              <a:t>6. </a:t>
+            </a:r>
+            <a:r>
+              <a:rPr lang="en-US" dirty="0" err="1" smtClean="0">
+                <a:latin typeface="Times New Roman" panose="02020603050405020304" pitchFamily="18" charset="0"/>
+                <a:cs typeface="Times New Roman" panose="02020603050405020304" pitchFamily="18" charset="0"/>
+              </a:rPr>
+              <a:t>Ứng</a:t>
+            </a:r>
+            <a:r>
+              <a:rPr lang="en-US" dirty="0" smtClean="0">
+                <a:latin typeface="Times New Roman" panose="02020603050405020304" pitchFamily="18" charset="0"/>
+                <a:cs typeface="Times New Roman" panose="02020603050405020304" pitchFamily="18" charset="0"/>
+              </a:rPr>
+              <a:t> </a:t>
+            </a:r>
+            <a:r>
+              <a:rPr lang="en-US" dirty="0" err="1" smtClean="0">
+                <a:latin typeface="Times New Roman" panose="02020603050405020304" pitchFamily="18" charset="0"/>
+                <a:cs typeface="Times New Roman" panose="02020603050405020304" pitchFamily="18" charset="0"/>
+              </a:rPr>
+              <a:t>dụng</a:t>
+            </a:r>
+            <a:r>
+              <a:rPr lang="en-US" dirty="0" smtClean="0">
+                <a:latin typeface="Times New Roman" panose="02020603050405020304" pitchFamily="18" charset="0"/>
+                <a:cs typeface="Times New Roman" panose="02020603050405020304" pitchFamily="18" charset="0"/>
+              </a:rPr>
+              <a:t> AI</a:t>
+            </a:r>
+            <a:endParaRPr lang="en-US" dirty="0">
+              <a:latin typeface="Times New Roman" panose="02020603050405020304" pitchFamily="18" charset="0"/>
+              <a:cs typeface="Times New Roman" panose="02020603050405020304" pitchFamily="18" charset="0"/>
+            </a:endParaRPr>
+          </a:p>
+        </p:txBody>
+      </p:sp>
+      <p:sp>
+        <p:nvSpPr>
+          <p:cNvPr id="3" name="Content Placeholder 2">
+            <a:extLst>
+              <a:ext uri="{FF2B5EF4-FFF2-40B4-BE49-F238E27FC236}">
+                <a16:creationId xmlns:a16="http://schemas.microsoft.com/office/drawing/2014/main" id="{DB097449-5B72-ADA0-3B2D-1CBC160D6B90}"/>
+              </a:ext>
+            </a:extLst>
+          </p:cNvPr>
+          <p:cNvSpPr>
+            <a:spLocks noGrp="1"/>
+          </p:cNvSpPr>
+          <p:nvPr>
+            <p:ph sz="quarter" idx="4294967295"/>
+          </p:nvPr>
+        </p:nvSpPr>
+        <p:spPr>
+          <a:xfrm>
+            <a:off x="594361" y="2676525"/>
+            <a:ext cx="8134970" cy="3597470"/>
+          </a:xfrm>
+          <a:prstGeom prst="rect">
+            <a:avLst/>
+          </a:prstGeom>
+        </p:spPr>
+        <p:txBody>
+          <a:bodyPr>
+            <a:normAutofit/>
+          </a:bodyPr>
+          <a:lstStyle/>
+          <a:p>
+            <a:pPr marL="797814" lvl="1" indent="-514350">
+              <a:lnSpc>
+                <a:spcPct val="100000"/>
+              </a:lnSpc>
+              <a:spcBef>
+                <a:spcPts val="600"/>
+              </a:spcBef>
+              <a:buFont typeface="+mj-lt"/>
+              <a:buAutoNum type="arabicPeriod"/>
+            </a:pPr>
+            <a:r>
+              <a:rPr lang="en-US" sz="2800" dirty="0" err="1" smtClean="0">
+                <a:latin typeface="Times New Roman" panose="02020603050405020304" pitchFamily="18" charset="0"/>
+                <a:cs typeface="Times New Roman" panose="02020603050405020304" pitchFamily="18" charset="0"/>
+              </a:rPr>
+              <a:t>Tìm</a:t>
+            </a:r>
+            <a:r>
+              <a:rPr lang="en-US" sz="2800" dirty="0" smtClean="0">
+                <a:latin typeface="Times New Roman" panose="02020603050405020304" pitchFamily="18" charset="0"/>
+                <a:cs typeface="Times New Roman" panose="02020603050405020304" pitchFamily="18" charset="0"/>
+              </a:rPr>
+              <a:t> </a:t>
+            </a:r>
+            <a:r>
+              <a:rPr lang="en-US" sz="2800" dirty="0" err="1" smtClean="0">
+                <a:latin typeface="Times New Roman" panose="02020603050405020304" pitchFamily="18" charset="0"/>
+                <a:cs typeface="Times New Roman" panose="02020603050405020304" pitchFamily="18" charset="0"/>
+              </a:rPr>
+              <a:t>kiếm</a:t>
+            </a:r>
+            <a:r>
+              <a:rPr lang="en-US" sz="2800" dirty="0" smtClean="0">
+                <a:latin typeface="Times New Roman" panose="02020603050405020304" pitchFamily="18" charset="0"/>
+                <a:cs typeface="Times New Roman" panose="02020603050405020304" pitchFamily="18" charset="0"/>
+              </a:rPr>
+              <a:t> </a:t>
+            </a:r>
+            <a:r>
+              <a:rPr lang="en-US" sz="2800" dirty="0" err="1" smtClean="0">
+                <a:latin typeface="Times New Roman" panose="02020603050405020304" pitchFamily="18" charset="0"/>
+                <a:cs typeface="Times New Roman" panose="02020603050405020304" pitchFamily="18" charset="0"/>
+              </a:rPr>
+              <a:t>bằng</a:t>
+            </a:r>
+            <a:r>
+              <a:rPr lang="en-US" sz="2800" dirty="0" smtClean="0">
+                <a:latin typeface="Times New Roman" panose="02020603050405020304" pitchFamily="18" charset="0"/>
+                <a:cs typeface="Times New Roman" panose="02020603050405020304" pitchFamily="18" charset="0"/>
+              </a:rPr>
+              <a:t> </a:t>
+            </a:r>
+            <a:r>
+              <a:rPr lang="en-US" sz="2800" dirty="0" err="1" smtClean="0">
+                <a:latin typeface="Times New Roman" panose="02020603050405020304" pitchFamily="18" charset="0"/>
+                <a:cs typeface="Times New Roman" panose="02020603050405020304" pitchFamily="18" charset="0"/>
+              </a:rPr>
+              <a:t>hình</a:t>
+            </a:r>
+            <a:r>
+              <a:rPr lang="en-US" sz="2800" dirty="0" smtClean="0">
+                <a:latin typeface="Times New Roman" panose="02020603050405020304" pitchFamily="18" charset="0"/>
+                <a:cs typeface="Times New Roman" panose="02020603050405020304" pitchFamily="18" charset="0"/>
+              </a:rPr>
+              <a:t> </a:t>
+            </a:r>
+            <a:r>
+              <a:rPr lang="en-US" sz="2800" dirty="0" err="1" smtClean="0">
+                <a:latin typeface="Times New Roman" panose="02020603050405020304" pitchFamily="18" charset="0"/>
+                <a:cs typeface="Times New Roman" panose="02020603050405020304" pitchFamily="18" charset="0"/>
+              </a:rPr>
+              <a:t>ảnh</a:t>
+            </a:r>
+            <a:endParaRPr lang="en-US" sz="2800" dirty="0">
+              <a:latin typeface="Times New Roman" panose="02020603050405020304" pitchFamily="18" charset="0"/>
+              <a:cs typeface="Times New Roman" panose="02020603050405020304" pitchFamily="18" charset="0"/>
+            </a:endParaRPr>
+          </a:p>
+          <a:p>
+            <a:pPr marL="1255014" lvl="2" indent="-514350">
+              <a:lnSpc>
+                <a:spcPct val="100000"/>
+              </a:lnSpc>
+              <a:spcBef>
+                <a:spcPts val="600"/>
+              </a:spcBef>
+            </a:pPr>
+            <a:r>
+              <a:rPr lang="en-US" sz="2800" dirty="0" err="1" smtClean="0">
+                <a:latin typeface="Times New Roman" panose="02020603050405020304" pitchFamily="18" charset="0"/>
+                <a:cs typeface="Times New Roman" panose="02020603050405020304" pitchFamily="18" charset="0"/>
+              </a:rPr>
+              <a:t>Sử</a:t>
+            </a:r>
+            <a:r>
+              <a:rPr lang="en-US" sz="2800" dirty="0" smtClean="0">
+                <a:latin typeface="Times New Roman" panose="02020603050405020304" pitchFamily="18" charset="0"/>
+                <a:cs typeface="Times New Roman" panose="02020603050405020304" pitchFamily="18" charset="0"/>
+              </a:rPr>
+              <a:t> </a:t>
+            </a:r>
+            <a:r>
+              <a:rPr lang="en-US" sz="2800" dirty="0" err="1" smtClean="0">
+                <a:latin typeface="Times New Roman" panose="02020603050405020304" pitchFamily="18" charset="0"/>
+                <a:cs typeface="Times New Roman" panose="02020603050405020304" pitchFamily="18" charset="0"/>
+              </a:rPr>
+              <a:t>dụng</a:t>
+            </a:r>
+            <a:r>
+              <a:rPr lang="en-US" sz="2800" dirty="0" smtClean="0">
+                <a:latin typeface="Times New Roman" panose="02020603050405020304" pitchFamily="18" charset="0"/>
+                <a:cs typeface="Times New Roman" panose="02020603050405020304" pitchFamily="18" charset="0"/>
+              </a:rPr>
+              <a:t> </a:t>
+            </a:r>
+            <a:r>
+              <a:rPr lang="en-US" sz="2800" dirty="0" err="1" smtClean="0">
+                <a:latin typeface="Times New Roman" panose="02020603050405020304" pitchFamily="18" charset="0"/>
+                <a:cs typeface="Times New Roman" panose="02020603050405020304" pitchFamily="18" charset="0"/>
+              </a:rPr>
+              <a:t>mô</a:t>
+            </a:r>
+            <a:r>
+              <a:rPr lang="en-US" sz="2800" dirty="0" smtClean="0">
+                <a:latin typeface="Times New Roman" panose="02020603050405020304" pitchFamily="18" charset="0"/>
+                <a:cs typeface="Times New Roman" panose="02020603050405020304" pitchFamily="18" charset="0"/>
+              </a:rPr>
+              <a:t> </a:t>
+            </a:r>
+            <a:r>
+              <a:rPr lang="en-US" sz="2800" dirty="0" err="1" smtClean="0">
+                <a:latin typeface="Times New Roman" panose="02020603050405020304" pitchFamily="18" charset="0"/>
+                <a:cs typeface="Times New Roman" panose="02020603050405020304" pitchFamily="18" charset="0"/>
+              </a:rPr>
+              <a:t>hình</a:t>
+            </a:r>
+            <a:r>
+              <a:rPr lang="en-US" sz="2800" dirty="0" smtClean="0">
+                <a:latin typeface="Times New Roman" panose="02020603050405020304" pitchFamily="18" charset="0"/>
+                <a:cs typeface="Times New Roman" panose="02020603050405020304" pitchFamily="18" charset="0"/>
+              </a:rPr>
+              <a:t> deep learning (MobileNetV2, CLIP, Resnet50, …)</a:t>
+            </a:r>
+          </a:p>
+          <a:p>
+            <a:pPr marL="1255014" lvl="2" indent="-514350">
+              <a:lnSpc>
+                <a:spcPct val="100000"/>
+              </a:lnSpc>
+              <a:spcBef>
+                <a:spcPts val="600"/>
+              </a:spcBef>
+            </a:pPr>
+            <a:r>
+              <a:rPr lang="en-US" sz="2800" dirty="0" err="1" smtClean="0">
+                <a:latin typeface="Times New Roman" panose="02020603050405020304" pitchFamily="18" charset="0"/>
+                <a:cs typeface="Times New Roman" panose="02020603050405020304" pitchFamily="18" charset="0"/>
+              </a:rPr>
+              <a:t>Áp</a:t>
+            </a:r>
+            <a:r>
+              <a:rPr lang="en-US" sz="2800" dirty="0" smtClean="0">
+                <a:latin typeface="Times New Roman" panose="02020603050405020304" pitchFamily="18" charset="0"/>
+                <a:cs typeface="Times New Roman" panose="02020603050405020304" pitchFamily="18" charset="0"/>
+              </a:rPr>
+              <a:t> </a:t>
+            </a:r>
+            <a:r>
+              <a:rPr lang="en-US" sz="2800" dirty="0" err="1" smtClean="0">
+                <a:latin typeface="Times New Roman" panose="02020603050405020304" pitchFamily="18" charset="0"/>
+                <a:cs typeface="Times New Roman" panose="02020603050405020304" pitchFamily="18" charset="0"/>
+              </a:rPr>
+              <a:t>dụng</a:t>
+            </a:r>
+            <a:r>
+              <a:rPr lang="en-US" sz="2800" dirty="0" smtClean="0">
+                <a:latin typeface="Times New Roman" panose="02020603050405020304" pitchFamily="18" charset="0"/>
+                <a:cs typeface="Times New Roman" panose="02020603050405020304" pitchFamily="18" charset="0"/>
+              </a:rPr>
+              <a:t> </a:t>
+            </a:r>
+            <a:r>
+              <a:rPr lang="en-US" sz="2800" dirty="0" err="1" smtClean="0">
+                <a:latin typeface="Times New Roman" panose="02020603050405020304" pitchFamily="18" charset="0"/>
+                <a:cs typeface="Times New Roman" panose="02020603050405020304" pitchFamily="18" charset="0"/>
+              </a:rPr>
+              <a:t>CoreML</a:t>
+            </a:r>
+            <a:r>
+              <a:rPr lang="en-US" sz="2800" dirty="0">
+                <a:latin typeface="Times New Roman" panose="02020603050405020304" pitchFamily="18" charset="0"/>
+                <a:cs typeface="Times New Roman" panose="02020603050405020304" pitchFamily="18" charset="0"/>
+              </a:rPr>
+              <a:t> </a:t>
+            </a:r>
+            <a:r>
+              <a:rPr lang="en-US" sz="2800" dirty="0" err="1" smtClean="0">
+                <a:latin typeface="Times New Roman" panose="02020603050405020304" pitchFamily="18" charset="0"/>
+                <a:cs typeface="Times New Roman" panose="02020603050405020304" pitchFamily="18" charset="0"/>
+              </a:rPr>
+              <a:t>để</a:t>
+            </a:r>
+            <a:r>
+              <a:rPr lang="en-US" sz="2800" dirty="0" smtClean="0">
+                <a:latin typeface="Times New Roman" panose="02020603050405020304" pitchFamily="18" charset="0"/>
+                <a:cs typeface="Times New Roman" panose="02020603050405020304" pitchFamily="18" charset="0"/>
+              </a:rPr>
+              <a:t> </a:t>
+            </a:r>
+            <a:r>
+              <a:rPr lang="en-US" sz="2800" dirty="0" err="1" smtClean="0">
+                <a:latin typeface="Times New Roman" panose="02020603050405020304" pitchFamily="18" charset="0"/>
+                <a:cs typeface="Times New Roman" panose="02020603050405020304" pitchFamily="18" charset="0"/>
+              </a:rPr>
+              <a:t>tìm</a:t>
+            </a:r>
+            <a:r>
+              <a:rPr lang="en-US" sz="2800" dirty="0" smtClean="0">
+                <a:latin typeface="Times New Roman" panose="02020603050405020304" pitchFamily="18" charset="0"/>
+                <a:cs typeface="Times New Roman" panose="02020603050405020304" pitchFamily="18" charset="0"/>
+              </a:rPr>
+              <a:t> </a:t>
+            </a:r>
+            <a:r>
+              <a:rPr lang="en-US" sz="2800" dirty="0" err="1" smtClean="0">
+                <a:latin typeface="Times New Roman" panose="02020603050405020304" pitchFamily="18" charset="0"/>
+                <a:cs typeface="Times New Roman" panose="02020603050405020304" pitchFamily="18" charset="0"/>
+              </a:rPr>
+              <a:t>kiếm</a:t>
+            </a:r>
+            <a:r>
+              <a:rPr lang="en-US" sz="2800" dirty="0" smtClean="0">
+                <a:latin typeface="Times New Roman" panose="02020603050405020304" pitchFamily="18" charset="0"/>
+                <a:cs typeface="Times New Roman" panose="02020603050405020304" pitchFamily="18" charset="0"/>
+              </a:rPr>
+              <a:t> on-device</a:t>
+            </a:r>
+          </a:p>
+        </p:txBody>
+      </p:sp>
+      <p:pic>
+        <p:nvPicPr>
+          <p:cNvPr id="2052" name="Picture 4" descr="Neural network (machine learning) - Wikipedia"/>
+          <p:cNvPicPr>
+            <a:picLocks noChangeAspect="1" noChangeArrowheads="1"/>
+          </p:cNvPicPr>
+          <p:nvPr/>
+        </p:nvPicPr>
+        <p:blipFill>
+          <a:blip r:embed="rId3" cstate="hqprint">
+            <a:extLst>
+              <a:ext uri="{28A0092B-C50C-407E-A947-70E740481C1C}">
+                <a14:useLocalDpi xmlns:a14="http://schemas.microsoft.com/office/drawing/2010/main" val="0"/>
+              </a:ext>
+            </a:extLst>
+          </a:blip>
+          <a:srcRect/>
+          <a:stretch>
+            <a:fillRect/>
+          </a:stretch>
+        </p:blipFill>
+        <p:spPr bwMode="auto">
+          <a:xfrm>
+            <a:off x="9014761" y="2791790"/>
+            <a:ext cx="2798011" cy="3366940"/>
+          </a:xfrm>
+          <a:prstGeom prst="rect">
+            <a:avLst/>
+          </a:prstGeom>
+          <a:noFill/>
+          <a:extLst>
+            <a:ext uri="{909E8E84-426E-40DD-AFC4-6F175D3DCCD1}">
+              <a14:hiddenFill xmlns:a14="http://schemas.microsoft.com/office/drawing/2010/main">
+                <a:solidFill>
+                  <a:srgbClr val="FFFFFF"/>
+                </a:solidFill>
+              </a14:hiddenFill>
+            </a:ext>
+          </a:extLst>
+        </p:spPr>
+      </p:pic>
+    </p:spTree>
+    <p:extLst>
+      <p:ext uri="{BB962C8B-B14F-4D97-AF65-F5344CB8AC3E}">
+        <p14:creationId xmlns:p14="http://schemas.microsoft.com/office/powerpoint/2010/main" val="813369209"/>
+      </p:ext>
+    </p:extLst>
+  </p:cSld>
+  <p:clrMapOvr>
+    <a:masterClrMapping/>
+  </p:clrMapOvr>
+  <p:timing>
+    <p:tnLst>
+      <p:par>
+        <p:cTn id="1" dur="indefinite" restart="never" nodeType="tmRoot"/>
+      </p:par>
+    </p:tnLst>
+  </p:timing>
+</p:sld>
+</file>
+
+<file path=ppt/slides/slide12.xml><?xml version="1.0" encoding="utf-8"?>
+<p:sld xmlns:a="http://schemas.openxmlformats.org/drawingml/2006/main" xmlns:r="http://schemas.openxmlformats.org/officeDocument/2006/relationships" xmlns:p="http://schemas.openxmlformats.org/presentationml/2006/main">
+  <p:cSld>
+    <p:spTree>
+      <p:nvGrpSpPr>
+        <p:cNvPr id="1" name=""/>
+        <p:cNvGrpSpPr/>
+        <p:nvPr/>
+      </p:nvGrpSpPr>
+      <p:grpSpPr>
+        <a:xfrm>
+          <a:off x="0" y="0"/>
+          <a:ext cx="0" cy="0"/>
+          <a:chOff x="0" y="0"/>
+          <a:chExt cx="0" cy="0"/>
+        </a:xfrm>
+      </p:grpSpPr>
+      <p:sp>
+        <p:nvSpPr>
+          <p:cNvPr id="2" name="Title 1">
+            <a:extLst>
+              <a:ext uri="{FF2B5EF4-FFF2-40B4-BE49-F238E27FC236}">
+                <a16:creationId xmlns:a16="http://schemas.microsoft.com/office/drawing/2014/main" id="{F0759DC4-8B30-98A0-5BAB-C78BA4A4AD55}"/>
+              </a:ext>
+            </a:extLst>
+          </p:cNvPr>
+          <p:cNvSpPr>
+            <a:spLocks noGrp="1"/>
+          </p:cNvSpPr>
+          <p:nvPr>
+            <p:ph type="title"/>
+          </p:nvPr>
+        </p:nvSpPr>
+        <p:spPr>
+          <a:xfrm>
+            <a:off x="594360" y="198408"/>
+            <a:ext cx="10972800" cy="1574317"/>
+          </a:xfrm>
+        </p:spPr>
+        <p:txBody>
+          <a:bodyPr/>
+          <a:lstStyle/>
+          <a:p>
+            <a:r>
+              <a:rPr lang="en-US" dirty="0" smtClean="0">
+                <a:latin typeface="Times New Roman" panose="02020603050405020304" pitchFamily="18" charset="0"/>
+                <a:cs typeface="Times New Roman" panose="02020603050405020304" pitchFamily="18" charset="0"/>
+              </a:rPr>
+              <a:t>6. </a:t>
+            </a:r>
+            <a:r>
+              <a:rPr lang="en-US" dirty="0" err="1" smtClean="0">
+                <a:latin typeface="Times New Roman" panose="02020603050405020304" pitchFamily="18" charset="0"/>
+                <a:cs typeface="Times New Roman" panose="02020603050405020304" pitchFamily="18" charset="0"/>
+              </a:rPr>
+              <a:t>Ứng</a:t>
+            </a:r>
+            <a:r>
+              <a:rPr lang="en-US" dirty="0" smtClean="0">
+                <a:latin typeface="Times New Roman" panose="02020603050405020304" pitchFamily="18" charset="0"/>
+                <a:cs typeface="Times New Roman" panose="02020603050405020304" pitchFamily="18" charset="0"/>
+              </a:rPr>
+              <a:t> </a:t>
+            </a:r>
+            <a:r>
+              <a:rPr lang="en-US" dirty="0" err="1" smtClean="0">
+                <a:latin typeface="Times New Roman" panose="02020603050405020304" pitchFamily="18" charset="0"/>
+                <a:cs typeface="Times New Roman" panose="02020603050405020304" pitchFamily="18" charset="0"/>
+              </a:rPr>
+              <a:t>dụng</a:t>
+            </a:r>
+            <a:r>
+              <a:rPr lang="en-US" dirty="0" smtClean="0">
+                <a:latin typeface="Times New Roman" panose="02020603050405020304" pitchFamily="18" charset="0"/>
+                <a:cs typeface="Times New Roman" panose="02020603050405020304" pitchFamily="18" charset="0"/>
+              </a:rPr>
+              <a:t> AI</a:t>
+            </a:r>
+            <a:endParaRPr lang="en-US" dirty="0">
+              <a:latin typeface="Times New Roman" panose="02020603050405020304" pitchFamily="18" charset="0"/>
+              <a:cs typeface="Times New Roman" panose="02020603050405020304" pitchFamily="18" charset="0"/>
+            </a:endParaRPr>
+          </a:p>
+        </p:txBody>
+      </p:sp>
+      <p:sp>
+        <p:nvSpPr>
+          <p:cNvPr id="3" name="Content Placeholder 2">
+            <a:extLst>
+              <a:ext uri="{FF2B5EF4-FFF2-40B4-BE49-F238E27FC236}">
+                <a16:creationId xmlns:a16="http://schemas.microsoft.com/office/drawing/2014/main" id="{DB097449-5B72-ADA0-3B2D-1CBC160D6B90}"/>
+              </a:ext>
+            </a:extLst>
+          </p:cNvPr>
+          <p:cNvSpPr>
+            <a:spLocks noGrp="1"/>
+          </p:cNvSpPr>
+          <p:nvPr>
+            <p:ph sz="quarter" idx="4294967295"/>
+          </p:nvPr>
+        </p:nvSpPr>
+        <p:spPr>
+          <a:xfrm>
+            <a:off x="594360" y="2676525"/>
+            <a:ext cx="10548561" cy="3597470"/>
+          </a:xfrm>
+          <a:prstGeom prst="rect">
+            <a:avLst/>
+          </a:prstGeom>
+        </p:spPr>
+        <p:txBody>
+          <a:bodyPr/>
+          <a:lstStyle/>
+          <a:p>
+            <a:pPr marL="797814" lvl="1" indent="-514350">
+              <a:lnSpc>
+                <a:spcPct val="100000"/>
+              </a:lnSpc>
+              <a:spcBef>
+                <a:spcPts val="600"/>
+              </a:spcBef>
+              <a:buFont typeface="Wingdings" panose="05000000000000000000" pitchFamily="2" charset="2"/>
+              <a:buChar char="Ø"/>
+            </a:pPr>
+            <a:r>
+              <a:rPr lang="en-US" sz="2800" dirty="0" err="1" smtClean="0">
+                <a:latin typeface="Times New Roman" panose="02020603050405020304" pitchFamily="18" charset="0"/>
+                <a:cs typeface="Times New Roman" panose="02020603050405020304" pitchFamily="18" charset="0"/>
+              </a:rPr>
+              <a:t>Phương</a:t>
+            </a:r>
+            <a:r>
+              <a:rPr lang="en-US" sz="2800" dirty="0" smtClean="0">
+                <a:latin typeface="Times New Roman" panose="02020603050405020304" pitchFamily="18" charset="0"/>
+                <a:cs typeface="Times New Roman" panose="02020603050405020304" pitchFamily="18" charset="0"/>
+              </a:rPr>
+              <a:t> </a:t>
+            </a:r>
+            <a:r>
+              <a:rPr lang="en-US" sz="2800" dirty="0" err="1" smtClean="0">
+                <a:latin typeface="Times New Roman" panose="02020603050405020304" pitchFamily="18" charset="0"/>
+                <a:cs typeface="Times New Roman" panose="02020603050405020304" pitchFamily="18" charset="0"/>
+              </a:rPr>
+              <a:t>pháp</a:t>
+            </a:r>
+            <a:r>
+              <a:rPr lang="en-US" sz="2800" dirty="0" smtClean="0">
+                <a:latin typeface="Times New Roman" panose="02020603050405020304" pitchFamily="18" charset="0"/>
+                <a:cs typeface="Times New Roman" panose="02020603050405020304" pitchFamily="18" charset="0"/>
+              </a:rPr>
+              <a:t> </a:t>
+            </a:r>
+            <a:r>
+              <a:rPr lang="en-US" sz="2800" dirty="0" err="1" smtClean="0">
+                <a:latin typeface="Times New Roman" panose="02020603050405020304" pitchFamily="18" charset="0"/>
+                <a:cs typeface="Times New Roman" panose="02020603050405020304" pitchFamily="18" charset="0"/>
+              </a:rPr>
+              <a:t>thực</a:t>
+            </a:r>
+            <a:r>
+              <a:rPr lang="en-US" sz="2800" dirty="0" smtClean="0">
+                <a:latin typeface="Times New Roman" panose="02020603050405020304" pitchFamily="18" charset="0"/>
+                <a:cs typeface="Times New Roman" panose="02020603050405020304" pitchFamily="18" charset="0"/>
+              </a:rPr>
+              <a:t> </a:t>
+            </a:r>
+            <a:r>
+              <a:rPr lang="en-US" sz="2800" dirty="0" err="1" smtClean="0">
+                <a:latin typeface="Times New Roman" panose="02020603050405020304" pitchFamily="18" charset="0"/>
+                <a:cs typeface="Times New Roman" panose="02020603050405020304" pitchFamily="18" charset="0"/>
+              </a:rPr>
+              <a:t>hiện</a:t>
+            </a:r>
+            <a:endParaRPr lang="en-US" sz="2800" dirty="0" smtClean="0">
+              <a:latin typeface="Times New Roman" panose="02020603050405020304" pitchFamily="18" charset="0"/>
+              <a:cs typeface="Times New Roman" panose="02020603050405020304" pitchFamily="18" charset="0"/>
+            </a:endParaRPr>
+          </a:p>
+          <a:p>
+            <a:pPr marL="1255014" lvl="2" indent="-514350">
+              <a:lnSpc>
+                <a:spcPct val="100000"/>
+              </a:lnSpc>
+              <a:spcBef>
+                <a:spcPts val="600"/>
+              </a:spcBef>
+            </a:pPr>
+            <a:r>
+              <a:rPr lang="en-US" sz="2800" dirty="0">
+                <a:latin typeface="Times New Roman" panose="02020603050405020304" pitchFamily="18" charset="0"/>
+                <a:cs typeface="Times New Roman" panose="02020603050405020304" pitchFamily="18" charset="0"/>
+              </a:rPr>
+              <a:t>Input </a:t>
+            </a:r>
+            <a:r>
+              <a:rPr lang="en-US" sz="2800" dirty="0" err="1">
+                <a:latin typeface="Times New Roman" panose="02020603050405020304" pitchFamily="18" charset="0"/>
+                <a:cs typeface="Times New Roman" panose="02020603050405020304" pitchFamily="18" charset="0"/>
+              </a:rPr>
+              <a:t>là</a:t>
+            </a:r>
+            <a:r>
+              <a:rPr lang="en-US" sz="2800" dirty="0">
+                <a:latin typeface="Times New Roman" panose="02020603050405020304" pitchFamily="18" charset="0"/>
+                <a:cs typeface="Times New Roman" panose="02020603050405020304" pitchFamily="18" charset="0"/>
+              </a:rPr>
+              <a:t> </a:t>
+            </a:r>
+            <a:r>
+              <a:rPr lang="en-US" sz="2800" dirty="0" err="1" smtClean="0">
+                <a:latin typeface="Times New Roman" panose="02020603050405020304" pitchFamily="18" charset="0"/>
+                <a:cs typeface="Times New Roman" panose="02020603050405020304" pitchFamily="18" charset="0"/>
+              </a:rPr>
+              <a:t>ảnh</a:t>
+            </a:r>
+            <a:endParaRPr lang="en-US" sz="2800" dirty="0" smtClean="0">
+              <a:latin typeface="Times New Roman" panose="02020603050405020304" pitchFamily="18" charset="0"/>
+              <a:cs typeface="Times New Roman" panose="02020603050405020304" pitchFamily="18" charset="0"/>
+            </a:endParaRPr>
+          </a:p>
+          <a:p>
+            <a:pPr marL="1255014" lvl="2" indent="-514350">
+              <a:lnSpc>
+                <a:spcPct val="100000"/>
+              </a:lnSpc>
+              <a:spcBef>
+                <a:spcPts val="600"/>
+              </a:spcBef>
+            </a:pPr>
+            <a:r>
+              <a:rPr lang="en-US" sz="2800" dirty="0" err="1" smtClean="0">
+                <a:latin typeface="Times New Roman" panose="02020603050405020304" pitchFamily="18" charset="0"/>
+                <a:cs typeface="Times New Roman" panose="02020603050405020304" pitchFamily="18" charset="0"/>
+              </a:rPr>
+              <a:t>Trích</a:t>
+            </a:r>
+            <a:r>
+              <a:rPr lang="en-US" sz="2800" dirty="0" smtClean="0">
+                <a:latin typeface="Times New Roman" panose="02020603050405020304" pitchFamily="18" charset="0"/>
+                <a:cs typeface="Times New Roman" panose="02020603050405020304" pitchFamily="18" charset="0"/>
+              </a:rPr>
+              <a:t> </a:t>
+            </a:r>
+            <a:r>
+              <a:rPr lang="en-US" sz="2800" dirty="0" err="1" smtClean="0">
+                <a:latin typeface="Times New Roman" panose="02020603050405020304" pitchFamily="18" charset="0"/>
+                <a:cs typeface="Times New Roman" panose="02020603050405020304" pitchFamily="18" charset="0"/>
+              </a:rPr>
+              <a:t>xuất</a:t>
+            </a:r>
+            <a:r>
+              <a:rPr lang="en-US" sz="2800" dirty="0" smtClean="0">
+                <a:latin typeface="Times New Roman" panose="02020603050405020304" pitchFamily="18" charset="0"/>
+                <a:cs typeface="Times New Roman" panose="02020603050405020304" pitchFamily="18" charset="0"/>
+              </a:rPr>
+              <a:t> </a:t>
+            </a:r>
+            <a:r>
+              <a:rPr lang="en-US" sz="2800" dirty="0" err="1" smtClean="0">
+                <a:latin typeface="Times New Roman" panose="02020603050405020304" pitchFamily="18" charset="0"/>
+                <a:cs typeface="Times New Roman" panose="02020603050405020304" pitchFamily="18" charset="0"/>
+              </a:rPr>
+              <a:t>ảnh</a:t>
+            </a:r>
+            <a:r>
+              <a:rPr lang="en-US" sz="2800" dirty="0" smtClean="0">
+                <a:latin typeface="Times New Roman" panose="02020603050405020304" pitchFamily="18" charset="0"/>
+                <a:cs typeface="Times New Roman" panose="02020603050405020304" pitchFamily="18" charset="0"/>
+              </a:rPr>
+              <a:t> </a:t>
+            </a:r>
+            <a:r>
+              <a:rPr lang="en-US" sz="2800" dirty="0" err="1" smtClean="0">
+                <a:latin typeface="Times New Roman" panose="02020603050405020304" pitchFamily="18" charset="0"/>
+                <a:cs typeface="Times New Roman" panose="02020603050405020304" pitchFamily="18" charset="0"/>
+              </a:rPr>
+              <a:t>thành</a:t>
+            </a:r>
+            <a:r>
+              <a:rPr lang="en-US" sz="2800" dirty="0" smtClean="0">
+                <a:latin typeface="Times New Roman" panose="02020603050405020304" pitchFamily="18" charset="0"/>
+                <a:cs typeface="Times New Roman" panose="02020603050405020304" pitchFamily="18" charset="0"/>
+              </a:rPr>
+              <a:t> vector </a:t>
+            </a:r>
+            <a:r>
+              <a:rPr lang="en-US" sz="2800" dirty="0" err="1" smtClean="0">
+                <a:latin typeface="Times New Roman" panose="02020603050405020304" pitchFamily="18" charset="0"/>
+                <a:cs typeface="Times New Roman" panose="02020603050405020304" pitchFamily="18" charset="0"/>
+              </a:rPr>
+              <a:t>đặc</a:t>
+            </a:r>
+            <a:r>
+              <a:rPr lang="en-US" sz="2800" dirty="0" smtClean="0">
+                <a:latin typeface="Times New Roman" panose="02020603050405020304" pitchFamily="18" charset="0"/>
+                <a:cs typeface="Times New Roman" panose="02020603050405020304" pitchFamily="18" charset="0"/>
+              </a:rPr>
+              <a:t> </a:t>
+            </a:r>
+            <a:r>
+              <a:rPr lang="en-US" sz="2800" dirty="0" err="1" smtClean="0">
+                <a:latin typeface="Times New Roman" panose="02020603050405020304" pitchFamily="18" charset="0"/>
+                <a:cs typeface="Times New Roman" panose="02020603050405020304" pitchFamily="18" charset="0"/>
+              </a:rPr>
+              <a:t>trưng</a:t>
+            </a:r>
+            <a:endParaRPr lang="en-US" sz="2800" dirty="0" smtClean="0">
+              <a:latin typeface="Times New Roman" panose="02020603050405020304" pitchFamily="18" charset="0"/>
+              <a:cs typeface="Times New Roman" panose="02020603050405020304" pitchFamily="18" charset="0"/>
+            </a:endParaRPr>
+          </a:p>
+          <a:p>
+            <a:pPr marL="1255014" lvl="2" indent="-514350">
+              <a:lnSpc>
+                <a:spcPct val="100000"/>
+              </a:lnSpc>
+              <a:spcBef>
+                <a:spcPts val="600"/>
+              </a:spcBef>
+            </a:pPr>
+            <a:r>
+              <a:rPr lang="en-US" sz="2800" dirty="0" smtClean="0">
+                <a:latin typeface="Times New Roman" panose="02020603050405020304" pitchFamily="18" charset="0"/>
+                <a:cs typeface="Times New Roman" panose="02020603050405020304" pitchFamily="18" charset="0"/>
+              </a:rPr>
+              <a:t>Output </a:t>
+            </a:r>
+            <a:r>
+              <a:rPr lang="en-US" sz="2800" dirty="0" err="1" smtClean="0">
+                <a:latin typeface="Times New Roman" panose="02020603050405020304" pitchFamily="18" charset="0"/>
+                <a:cs typeface="Times New Roman" panose="02020603050405020304" pitchFamily="18" charset="0"/>
+              </a:rPr>
+              <a:t>là</a:t>
+            </a:r>
+            <a:r>
+              <a:rPr lang="en-US" sz="2800" dirty="0" smtClean="0">
+                <a:latin typeface="Times New Roman" panose="02020603050405020304" pitchFamily="18" charset="0"/>
+                <a:cs typeface="Times New Roman" panose="02020603050405020304" pitchFamily="18" charset="0"/>
+              </a:rPr>
+              <a:t> vector</a:t>
+            </a:r>
+          </a:p>
+          <a:p>
+            <a:pPr marL="1255014" lvl="2" indent="-514350">
+              <a:lnSpc>
+                <a:spcPct val="100000"/>
+              </a:lnSpc>
+              <a:spcBef>
+                <a:spcPts val="600"/>
+              </a:spcBef>
+            </a:pPr>
+            <a:r>
+              <a:rPr lang="en-US" sz="2800" dirty="0" smtClean="0">
+                <a:latin typeface="Times New Roman" panose="02020603050405020304" pitchFamily="18" charset="0"/>
+                <a:cs typeface="Times New Roman" panose="02020603050405020304" pitchFamily="18" charset="0"/>
+              </a:rPr>
+              <a:t>So </a:t>
+            </a:r>
+            <a:r>
+              <a:rPr lang="en-US" sz="2800" dirty="0" err="1" smtClean="0">
+                <a:latin typeface="Times New Roman" panose="02020603050405020304" pitchFamily="18" charset="0"/>
+                <a:cs typeface="Times New Roman" panose="02020603050405020304" pitchFamily="18" charset="0"/>
+              </a:rPr>
+              <a:t>sánh</a:t>
+            </a:r>
+            <a:r>
+              <a:rPr lang="en-US" sz="2800" dirty="0" smtClean="0">
+                <a:latin typeface="Times New Roman" panose="02020603050405020304" pitchFamily="18" charset="0"/>
+                <a:cs typeface="Times New Roman" panose="02020603050405020304" pitchFamily="18" charset="0"/>
+              </a:rPr>
+              <a:t> </a:t>
+            </a:r>
+            <a:r>
+              <a:rPr lang="en-US" sz="2800" dirty="0" err="1" smtClean="0">
+                <a:latin typeface="Times New Roman" panose="02020603050405020304" pitchFamily="18" charset="0"/>
+                <a:cs typeface="Times New Roman" panose="02020603050405020304" pitchFamily="18" charset="0"/>
+              </a:rPr>
+              <a:t>các</a:t>
+            </a:r>
+            <a:r>
+              <a:rPr lang="en-US" sz="2800" dirty="0" smtClean="0">
+                <a:latin typeface="Times New Roman" panose="02020603050405020304" pitchFamily="18" charset="0"/>
+                <a:cs typeface="Times New Roman" panose="02020603050405020304" pitchFamily="18" charset="0"/>
+              </a:rPr>
+              <a:t> vector</a:t>
+            </a:r>
+          </a:p>
+          <a:p>
+            <a:pPr marL="1255014" lvl="2" indent="-514350">
+              <a:lnSpc>
+                <a:spcPct val="100000"/>
+              </a:lnSpc>
+              <a:spcBef>
+                <a:spcPts val="600"/>
+              </a:spcBef>
+            </a:pPr>
+            <a:r>
+              <a:rPr lang="en-US" sz="2800" dirty="0" err="1" smtClean="0">
+                <a:latin typeface="Times New Roman" panose="02020603050405020304" pitchFamily="18" charset="0"/>
+                <a:cs typeface="Times New Roman" panose="02020603050405020304" pitchFamily="18" charset="0"/>
+              </a:rPr>
+              <a:t>Tìm</a:t>
+            </a:r>
+            <a:r>
+              <a:rPr lang="en-US" sz="2800" dirty="0" smtClean="0">
+                <a:latin typeface="Times New Roman" panose="02020603050405020304" pitchFamily="18" charset="0"/>
+                <a:cs typeface="Times New Roman" panose="02020603050405020304" pitchFamily="18" charset="0"/>
+              </a:rPr>
+              <a:t> </a:t>
+            </a:r>
+            <a:r>
+              <a:rPr lang="en-US" sz="2800" dirty="0" err="1" smtClean="0">
+                <a:latin typeface="Times New Roman" panose="02020603050405020304" pitchFamily="18" charset="0"/>
+                <a:cs typeface="Times New Roman" panose="02020603050405020304" pitchFamily="18" charset="0"/>
+              </a:rPr>
+              <a:t>ra</a:t>
+            </a:r>
+            <a:r>
+              <a:rPr lang="en-US" sz="2800" dirty="0" smtClean="0">
+                <a:latin typeface="Times New Roman" panose="02020603050405020304" pitchFamily="18" charset="0"/>
+                <a:cs typeface="Times New Roman" panose="02020603050405020304" pitchFamily="18" charset="0"/>
+              </a:rPr>
+              <a:t> K </a:t>
+            </a:r>
+            <a:r>
+              <a:rPr lang="en-US" sz="2800" dirty="0" err="1" smtClean="0">
+                <a:latin typeface="Times New Roman" panose="02020603050405020304" pitchFamily="18" charset="0"/>
+                <a:cs typeface="Times New Roman" panose="02020603050405020304" pitchFamily="18" charset="0"/>
+              </a:rPr>
+              <a:t>sản</a:t>
+            </a:r>
+            <a:r>
+              <a:rPr lang="en-US" sz="2800" dirty="0" smtClean="0">
+                <a:latin typeface="Times New Roman" panose="02020603050405020304" pitchFamily="18" charset="0"/>
+                <a:cs typeface="Times New Roman" panose="02020603050405020304" pitchFamily="18" charset="0"/>
+              </a:rPr>
+              <a:t> </a:t>
+            </a:r>
+            <a:r>
+              <a:rPr lang="en-US" sz="2800" dirty="0" err="1" smtClean="0">
+                <a:latin typeface="Times New Roman" panose="02020603050405020304" pitchFamily="18" charset="0"/>
+                <a:cs typeface="Times New Roman" panose="02020603050405020304" pitchFamily="18" charset="0"/>
+              </a:rPr>
+              <a:t>phẩm</a:t>
+            </a:r>
+            <a:r>
+              <a:rPr lang="en-US" sz="2800" dirty="0" smtClean="0">
+                <a:latin typeface="Times New Roman" panose="02020603050405020304" pitchFamily="18" charset="0"/>
+                <a:cs typeface="Times New Roman" panose="02020603050405020304" pitchFamily="18" charset="0"/>
+              </a:rPr>
+              <a:t> </a:t>
+            </a:r>
+            <a:r>
+              <a:rPr lang="en-US" sz="2800" dirty="0" err="1" smtClean="0">
+                <a:latin typeface="Times New Roman" panose="02020603050405020304" pitchFamily="18" charset="0"/>
+                <a:cs typeface="Times New Roman" panose="02020603050405020304" pitchFamily="18" charset="0"/>
+              </a:rPr>
+              <a:t>giống</a:t>
+            </a:r>
+            <a:r>
+              <a:rPr lang="en-US" sz="2800" dirty="0" smtClean="0">
+                <a:latin typeface="Times New Roman" panose="02020603050405020304" pitchFamily="18" charset="0"/>
+                <a:cs typeface="Times New Roman" panose="02020603050405020304" pitchFamily="18" charset="0"/>
+              </a:rPr>
+              <a:t> </a:t>
+            </a:r>
+            <a:r>
+              <a:rPr lang="en-US" sz="2800" dirty="0" err="1" smtClean="0">
+                <a:latin typeface="Times New Roman" panose="02020603050405020304" pitchFamily="18" charset="0"/>
+                <a:cs typeface="Times New Roman" panose="02020603050405020304" pitchFamily="18" charset="0"/>
+              </a:rPr>
+              <a:t>nhất</a:t>
+            </a:r>
+            <a:endParaRPr lang="en-US" sz="2800" dirty="0" smtClean="0">
+              <a:latin typeface="Times New Roman" panose="02020603050405020304" pitchFamily="18" charset="0"/>
+              <a:cs typeface="Times New Roman" panose="02020603050405020304" pitchFamily="18" charset="0"/>
+            </a:endParaRPr>
+          </a:p>
+        </p:txBody>
+      </p:sp>
+      <p:pic>
+        <p:nvPicPr>
+          <p:cNvPr id="2052" name="Picture 4" descr="Neural network (machine learning) - Wikipedia"/>
+          <p:cNvPicPr>
+            <a:picLocks noChangeAspect="1" noChangeArrowheads="1"/>
+          </p:cNvPicPr>
+          <p:nvPr/>
+        </p:nvPicPr>
+        <p:blipFill>
+          <a:blip r:embed="rId3" cstate="hqprint">
+            <a:extLst>
+              <a:ext uri="{28A0092B-C50C-407E-A947-70E740481C1C}">
+                <a14:useLocalDpi xmlns:a14="http://schemas.microsoft.com/office/drawing/2010/main" val="0"/>
+              </a:ext>
+            </a:extLst>
+          </a:blip>
+          <a:srcRect/>
+          <a:stretch>
+            <a:fillRect/>
+          </a:stretch>
+        </p:blipFill>
+        <p:spPr bwMode="auto">
+          <a:xfrm>
+            <a:off x="8344910" y="2907055"/>
+            <a:ext cx="2798011" cy="3366940"/>
+          </a:xfrm>
+          <a:prstGeom prst="rect">
+            <a:avLst/>
+          </a:prstGeom>
+          <a:noFill/>
+          <a:extLst>
+            <a:ext uri="{909E8E84-426E-40DD-AFC4-6F175D3DCCD1}">
+              <a14:hiddenFill xmlns:a14="http://schemas.microsoft.com/office/drawing/2010/main">
+                <a:solidFill>
+                  <a:srgbClr val="FFFFFF"/>
+                </a:solidFill>
+              </a14:hiddenFill>
+            </a:ext>
+          </a:extLst>
+        </p:spPr>
+      </p:pic>
+    </p:spTree>
+    <p:extLst>
+      <p:ext uri="{BB962C8B-B14F-4D97-AF65-F5344CB8AC3E}">
+        <p14:creationId xmlns:p14="http://schemas.microsoft.com/office/powerpoint/2010/main" val="370465038"/>
+      </p:ext>
+    </p:extLst>
+  </p:cSld>
+  <p:clrMapOvr>
+    <a:masterClrMapping/>
+  </p:clrMapOvr>
+  <p:timing>
+    <p:tnLst>
+      <p:par>
+        <p:cTn id="1" dur="indefinite" restart="never" nodeType="tmRoot"/>
+      </p:par>
+    </p:tnLst>
+  </p:timing>
+</p:sld>
+</file>
+
+<file path=ppt/slides/slide13.xml><?xml version="1.0" encoding="utf-8"?>
+<p:sld xmlns:a="http://schemas.openxmlformats.org/drawingml/2006/main" xmlns:r="http://schemas.openxmlformats.org/officeDocument/2006/relationships" xmlns:p="http://schemas.openxmlformats.org/presentationml/2006/main">
+  <p:cSld>
+    <p:spTree>
+      <p:nvGrpSpPr>
+        <p:cNvPr id="1" name=""/>
+        <p:cNvGrpSpPr/>
+        <p:nvPr/>
+      </p:nvGrpSpPr>
+      <p:grpSpPr>
+        <a:xfrm>
+          <a:off x="0" y="0"/>
+          <a:ext cx="0" cy="0"/>
+          <a:chOff x="0" y="0"/>
+          <a:chExt cx="0" cy="0"/>
+        </a:xfrm>
+      </p:grpSpPr>
+      <p:sp>
+        <p:nvSpPr>
+          <p:cNvPr id="2" name="Title 1">
+            <a:extLst>
+              <a:ext uri="{FF2B5EF4-FFF2-40B4-BE49-F238E27FC236}">
+                <a16:creationId xmlns:a16="http://schemas.microsoft.com/office/drawing/2014/main" id="{F0759DC4-8B30-98A0-5BAB-C78BA4A4AD55}"/>
+              </a:ext>
+            </a:extLst>
+          </p:cNvPr>
+          <p:cNvSpPr>
+            <a:spLocks noGrp="1"/>
+          </p:cNvSpPr>
+          <p:nvPr>
+            <p:ph type="title"/>
+          </p:nvPr>
+        </p:nvSpPr>
+        <p:spPr>
+          <a:xfrm>
+            <a:off x="594360" y="198408"/>
+            <a:ext cx="10972800" cy="1574317"/>
+          </a:xfrm>
+        </p:spPr>
+        <p:txBody>
+          <a:bodyPr/>
+          <a:lstStyle/>
+          <a:p>
+            <a:r>
+              <a:rPr lang="en-US" dirty="0" smtClean="0">
+                <a:latin typeface="Times New Roman" panose="02020603050405020304" pitchFamily="18" charset="0"/>
+                <a:cs typeface="Times New Roman" panose="02020603050405020304" pitchFamily="18" charset="0"/>
+              </a:rPr>
+              <a:t>6. </a:t>
+            </a:r>
+            <a:r>
+              <a:rPr lang="en-US" dirty="0" err="1" smtClean="0">
+                <a:latin typeface="Times New Roman" panose="02020603050405020304" pitchFamily="18" charset="0"/>
+                <a:cs typeface="Times New Roman" panose="02020603050405020304" pitchFamily="18" charset="0"/>
+              </a:rPr>
+              <a:t>Ứng</a:t>
+            </a:r>
+            <a:r>
+              <a:rPr lang="en-US" dirty="0" smtClean="0">
+                <a:latin typeface="Times New Roman" panose="02020603050405020304" pitchFamily="18" charset="0"/>
+                <a:cs typeface="Times New Roman" panose="02020603050405020304" pitchFamily="18" charset="0"/>
+              </a:rPr>
+              <a:t> </a:t>
+            </a:r>
+            <a:r>
+              <a:rPr lang="en-US" dirty="0" err="1" smtClean="0">
+                <a:latin typeface="Times New Roman" panose="02020603050405020304" pitchFamily="18" charset="0"/>
+                <a:cs typeface="Times New Roman" panose="02020603050405020304" pitchFamily="18" charset="0"/>
+              </a:rPr>
+              <a:t>dụng</a:t>
+            </a:r>
+            <a:r>
+              <a:rPr lang="en-US" dirty="0" smtClean="0">
+                <a:latin typeface="Times New Roman" panose="02020603050405020304" pitchFamily="18" charset="0"/>
+                <a:cs typeface="Times New Roman" panose="02020603050405020304" pitchFamily="18" charset="0"/>
+              </a:rPr>
+              <a:t> AI</a:t>
+            </a:r>
+            <a:endParaRPr lang="en-US" dirty="0">
+              <a:latin typeface="Times New Roman" panose="02020603050405020304" pitchFamily="18" charset="0"/>
+              <a:cs typeface="Times New Roman" panose="02020603050405020304" pitchFamily="18" charset="0"/>
+            </a:endParaRPr>
+          </a:p>
+        </p:txBody>
+      </p:sp>
+      <p:sp>
+        <p:nvSpPr>
+          <p:cNvPr id="3" name="Content Placeholder 2">
+            <a:extLst>
+              <a:ext uri="{FF2B5EF4-FFF2-40B4-BE49-F238E27FC236}">
+                <a16:creationId xmlns:a16="http://schemas.microsoft.com/office/drawing/2014/main" id="{DB097449-5B72-ADA0-3B2D-1CBC160D6B90}"/>
+              </a:ext>
+            </a:extLst>
+          </p:cNvPr>
+          <p:cNvSpPr>
+            <a:spLocks noGrp="1"/>
+          </p:cNvSpPr>
+          <p:nvPr>
+            <p:ph sz="quarter" idx="4294967295"/>
+          </p:nvPr>
+        </p:nvSpPr>
+        <p:spPr>
+          <a:xfrm>
+            <a:off x="594361" y="2676525"/>
+            <a:ext cx="7550180" cy="3597470"/>
+          </a:xfrm>
+          <a:prstGeom prst="rect">
+            <a:avLst/>
+          </a:prstGeom>
+        </p:spPr>
+        <p:txBody>
+          <a:bodyPr>
+            <a:normAutofit/>
+          </a:bodyPr>
+          <a:lstStyle/>
+          <a:p>
+            <a:pPr marL="740664" lvl="1" indent="-457200">
+              <a:lnSpc>
+                <a:spcPct val="100000"/>
+              </a:lnSpc>
+              <a:spcBef>
+                <a:spcPts val="600"/>
+              </a:spcBef>
+              <a:buFont typeface="Wingdings" panose="05000000000000000000" pitchFamily="2" charset="2"/>
+              <a:buChar char="Ø"/>
+            </a:pPr>
+            <a:r>
+              <a:rPr lang="vi-VN" sz="2800" dirty="0" smtClean="0">
+                <a:latin typeface="Times New Roman" panose="02020603050405020304" pitchFamily="18" charset="0"/>
+                <a:cs typeface="Times New Roman" panose="02020603050405020304" pitchFamily="18" charset="0"/>
+              </a:rPr>
+              <a:t>Ư</a:t>
+            </a:r>
+            <a:r>
+              <a:rPr lang="en-US" sz="2800" dirty="0" smtClean="0">
+                <a:latin typeface="Times New Roman" panose="02020603050405020304" pitchFamily="18" charset="0"/>
+                <a:cs typeface="Times New Roman" panose="02020603050405020304" pitchFamily="18" charset="0"/>
+              </a:rPr>
+              <a:t>u </a:t>
+            </a:r>
+            <a:r>
+              <a:rPr lang="en-US" sz="2800" dirty="0" err="1" smtClean="0">
+                <a:latin typeface="Times New Roman" panose="02020603050405020304" pitchFamily="18" charset="0"/>
+                <a:cs typeface="Times New Roman" panose="02020603050405020304" pitchFamily="18" charset="0"/>
+              </a:rPr>
+              <a:t>điểm</a:t>
+            </a:r>
+            <a:r>
+              <a:rPr lang="en-US" sz="2800" dirty="0" smtClean="0">
+                <a:latin typeface="Times New Roman" panose="02020603050405020304" pitchFamily="18" charset="0"/>
+                <a:cs typeface="Times New Roman" panose="02020603050405020304" pitchFamily="18" charset="0"/>
+              </a:rPr>
+              <a:t>:</a:t>
+            </a:r>
+          </a:p>
+          <a:p>
+            <a:pPr marL="1197864" lvl="2" indent="-457200">
+              <a:lnSpc>
+                <a:spcPct val="100000"/>
+              </a:lnSpc>
+              <a:spcBef>
+                <a:spcPts val="600"/>
+              </a:spcBef>
+            </a:pPr>
+            <a:r>
+              <a:rPr lang="en-US" sz="2800" dirty="0" err="1" smtClean="0">
+                <a:latin typeface="Times New Roman" panose="02020603050405020304" pitchFamily="18" charset="0"/>
+                <a:cs typeface="Times New Roman" panose="02020603050405020304" pitchFamily="18" charset="0"/>
+              </a:rPr>
+              <a:t>Nhẹ</a:t>
+            </a:r>
+            <a:r>
+              <a:rPr lang="en-US" sz="2800" dirty="0" smtClean="0">
+                <a:latin typeface="Times New Roman" panose="02020603050405020304" pitchFamily="18" charset="0"/>
+                <a:cs typeface="Times New Roman" panose="02020603050405020304" pitchFamily="18" charset="0"/>
+              </a:rPr>
+              <a:t> </a:t>
+            </a:r>
+            <a:r>
+              <a:rPr lang="en-US" sz="2800" dirty="0" err="1" smtClean="0">
+                <a:latin typeface="Times New Roman" panose="02020603050405020304" pitchFamily="18" charset="0"/>
+                <a:cs typeface="Times New Roman" panose="02020603050405020304" pitchFamily="18" charset="0"/>
+              </a:rPr>
+              <a:t>và</a:t>
+            </a:r>
+            <a:r>
+              <a:rPr lang="en-US" sz="2800" dirty="0" smtClean="0">
+                <a:latin typeface="Times New Roman" panose="02020603050405020304" pitchFamily="18" charset="0"/>
+                <a:cs typeface="Times New Roman" panose="02020603050405020304" pitchFamily="18" charset="0"/>
+              </a:rPr>
+              <a:t> </a:t>
+            </a:r>
+            <a:r>
+              <a:rPr lang="en-US" sz="2800" dirty="0" err="1" smtClean="0">
+                <a:latin typeface="Times New Roman" panose="02020603050405020304" pitchFamily="18" charset="0"/>
+                <a:cs typeface="Times New Roman" panose="02020603050405020304" pitchFamily="18" charset="0"/>
+              </a:rPr>
+              <a:t>nhanh</a:t>
+            </a:r>
+            <a:endParaRPr lang="en-US" sz="2800" dirty="0" smtClean="0">
+              <a:latin typeface="Times New Roman" panose="02020603050405020304" pitchFamily="18" charset="0"/>
+              <a:cs typeface="Times New Roman" panose="02020603050405020304" pitchFamily="18" charset="0"/>
+            </a:endParaRPr>
+          </a:p>
+          <a:p>
+            <a:pPr marL="1197864" lvl="2" indent="-457200">
+              <a:lnSpc>
+                <a:spcPct val="100000"/>
+              </a:lnSpc>
+              <a:spcBef>
+                <a:spcPts val="600"/>
+              </a:spcBef>
+            </a:pPr>
+            <a:r>
+              <a:rPr lang="en-US" sz="2800" dirty="0" err="1" smtClean="0">
+                <a:latin typeface="Times New Roman" panose="02020603050405020304" pitchFamily="18" charset="0"/>
+                <a:cs typeface="Times New Roman" panose="02020603050405020304" pitchFamily="18" charset="0"/>
+              </a:rPr>
+              <a:t>Phù</a:t>
+            </a:r>
+            <a:r>
+              <a:rPr lang="en-US" sz="2800" dirty="0" smtClean="0">
+                <a:latin typeface="Times New Roman" panose="02020603050405020304" pitchFamily="18" charset="0"/>
+                <a:cs typeface="Times New Roman" panose="02020603050405020304" pitchFamily="18" charset="0"/>
+              </a:rPr>
+              <a:t> </a:t>
+            </a:r>
+            <a:r>
+              <a:rPr lang="en-US" sz="2800" dirty="0" err="1" smtClean="0">
+                <a:latin typeface="Times New Roman" panose="02020603050405020304" pitchFamily="18" charset="0"/>
+                <a:cs typeface="Times New Roman" panose="02020603050405020304" pitchFamily="18" charset="0"/>
+              </a:rPr>
+              <a:t>hợp</a:t>
+            </a:r>
+            <a:r>
+              <a:rPr lang="en-US" sz="2800" dirty="0" smtClean="0">
+                <a:latin typeface="Times New Roman" panose="02020603050405020304" pitchFamily="18" charset="0"/>
+                <a:cs typeface="Times New Roman" panose="02020603050405020304" pitchFamily="18" charset="0"/>
+              </a:rPr>
+              <a:t> real-time</a:t>
+            </a:r>
+          </a:p>
+          <a:p>
+            <a:pPr marL="740664" lvl="1" indent="-457200">
+              <a:lnSpc>
+                <a:spcPct val="100000"/>
+              </a:lnSpc>
+              <a:spcBef>
+                <a:spcPts val="600"/>
+              </a:spcBef>
+              <a:buFont typeface="Wingdings" panose="05000000000000000000" pitchFamily="2" charset="2"/>
+              <a:buChar char="Ø"/>
+            </a:pPr>
+            <a:r>
+              <a:rPr lang="en-US" sz="2800" dirty="0" err="1" smtClean="0">
+                <a:latin typeface="Times New Roman" panose="02020603050405020304" pitchFamily="18" charset="0"/>
+                <a:cs typeface="Times New Roman" panose="02020603050405020304" pitchFamily="18" charset="0"/>
+              </a:rPr>
+              <a:t>Nhược</a:t>
+            </a:r>
+            <a:r>
+              <a:rPr lang="en-US" sz="2800" dirty="0" smtClean="0">
+                <a:latin typeface="Times New Roman" panose="02020603050405020304" pitchFamily="18" charset="0"/>
+                <a:cs typeface="Times New Roman" panose="02020603050405020304" pitchFamily="18" charset="0"/>
+              </a:rPr>
+              <a:t> </a:t>
+            </a:r>
+            <a:r>
+              <a:rPr lang="en-US" sz="2800" dirty="0" err="1" smtClean="0">
+                <a:latin typeface="Times New Roman" panose="02020603050405020304" pitchFamily="18" charset="0"/>
+                <a:cs typeface="Times New Roman" panose="02020603050405020304" pitchFamily="18" charset="0"/>
+              </a:rPr>
+              <a:t>điểm</a:t>
+            </a:r>
+            <a:r>
+              <a:rPr lang="en-US" sz="2800" dirty="0" smtClean="0">
+                <a:latin typeface="Times New Roman" panose="02020603050405020304" pitchFamily="18" charset="0"/>
+                <a:cs typeface="Times New Roman" panose="02020603050405020304" pitchFamily="18" charset="0"/>
+              </a:rPr>
+              <a:t>:</a:t>
+            </a:r>
+          </a:p>
+          <a:p>
+            <a:pPr marL="1197864" lvl="2" indent="-457200">
+              <a:lnSpc>
+                <a:spcPct val="100000"/>
+              </a:lnSpc>
+              <a:spcBef>
+                <a:spcPts val="600"/>
+              </a:spcBef>
+            </a:pPr>
+            <a:r>
+              <a:rPr lang="en-US" sz="2800" dirty="0" err="1" smtClean="0">
+                <a:latin typeface="Times New Roman" panose="02020603050405020304" pitchFamily="18" charset="0"/>
+                <a:cs typeface="Times New Roman" panose="02020603050405020304" pitchFamily="18" charset="0"/>
+              </a:rPr>
+              <a:t>Độ</a:t>
+            </a:r>
+            <a:r>
+              <a:rPr lang="en-US" sz="2800" dirty="0" smtClean="0">
+                <a:latin typeface="Times New Roman" panose="02020603050405020304" pitchFamily="18" charset="0"/>
+                <a:cs typeface="Times New Roman" panose="02020603050405020304" pitchFamily="18" charset="0"/>
+              </a:rPr>
+              <a:t> </a:t>
+            </a:r>
+            <a:r>
+              <a:rPr lang="en-US" sz="2800" dirty="0" err="1" smtClean="0">
+                <a:latin typeface="Times New Roman" panose="02020603050405020304" pitchFamily="18" charset="0"/>
+                <a:cs typeface="Times New Roman" panose="02020603050405020304" pitchFamily="18" charset="0"/>
+              </a:rPr>
+              <a:t>chính</a:t>
+            </a:r>
+            <a:r>
+              <a:rPr lang="en-US" sz="2800" dirty="0" smtClean="0">
+                <a:latin typeface="Times New Roman" panose="02020603050405020304" pitchFamily="18" charset="0"/>
+                <a:cs typeface="Times New Roman" panose="02020603050405020304" pitchFamily="18" charset="0"/>
+              </a:rPr>
+              <a:t> </a:t>
+            </a:r>
+            <a:r>
+              <a:rPr lang="en-US" sz="2800" dirty="0" err="1" smtClean="0">
+                <a:latin typeface="Times New Roman" panose="02020603050405020304" pitchFamily="18" charset="0"/>
+                <a:cs typeface="Times New Roman" panose="02020603050405020304" pitchFamily="18" charset="0"/>
+              </a:rPr>
+              <a:t>xác</a:t>
+            </a:r>
+            <a:r>
+              <a:rPr lang="en-US" sz="2800" dirty="0" smtClean="0">
+                <a:latin typeface="Times New Roman" panose="02020603050405020304" pitchFamily="18" charset="0"/>
+                <a:cs typeface="Times New Roman" panose="02020603050405020304" pitchFamily="18" charset="0"/>
+              </a:rPr>
+              <a:t> </a:t>
+            </a:r>
+            <a:r>
+              <a:rPr lang="en-US" sz="2800" dirty="0" err="1" smtClean="0">
+                <a:latin typeface="Times New Roman" panose="02020603050405020304" pitchFamily="18" charset="0"/>
+                <a:cs typeface="Times New Roman" panose="02020603050405020304" pitchFamily="18" charset="0"/>
+              </a:rPr>
+              <a:t>không</a:t>
+            </a:r>
+            <a:r>
+              <a:rPr lang="en-US" sz="2800" dirty="0" smtClean="0">
+                <a:latin typeface="Times New Roman" panose="02020603050405020304" pitchFamily="18" charset="0"/>
+                <a:cs typeface="Times New Roman" panose="02020603050405020304" pitchFamily="18" charset="0"/>
+              </a:rPr>
+              <a:t> </a:t>
+            </a:r>
+            <a:r>
+              <a:rPr lang="en-US" sz="2800" dirty="0" err="1" smtClean="0">
+                <a:latin typeface="Times New Roman" panose="02020603050405020304" pitchFamily="18" charset="0"/>
+                <a:cs typeface="Times New Roman" panose="02020603050405020304" pitchFamily="18" charset="0"/>
+              </a:rPr>
+              <a:t>cao</a:t>
+            </a:r>
+            <a:endParaRPr lang="en-US" sz="2800" dirty="0" smtClean="0">
+              <a:latin typeface="Times New Roman" panose="02020603050405020304" pitchFamily="18" charset="0"/>
+              <a:cs typeface="Times New Roman" panose="02020603050405020304" pitchFamily="18" charset="0"/>
+            </a:endParaRPr>
+          </a:p>
+          <a:p>
+            <a:pPr marL="1197864" lvl="2" indent="-457200">
+              <a:lnSpc>
+                <a:spcPct val="100000"/>
+              </a:lnSpc>
+              <a:spcBef>
+                <a:spcPts val="600"/>
+              </a:spcBef>
+            </a:pPr>
+            <a:r>
+              <a:rPr lang="en-US" sz="2800" dirty="0" err="1" smtClean="0">
+                <a:latin typeface="Times New Roman" panose="02020603050405020304" pitchFamily="18" charset="0"/>
+                <a:cs typeface="Times New Roman" panose="02020603050405020304" pitchFamily="18" charset="0"/>
+              </a:rPr>
+              <a:t>Không</a:t>
+            </a:r>
+            <a:r>
+              <a:rPr lang="en-US" sz="2800" dirty="0" smtClean="0">
+                <a:latin typeface="Times New Roman" panose="02020603050405020304" pitchFamily="18" charset="0"/>
+                <a:cs typeface="Times New Roman" panose="02020603050405020304" pitchFamily="18" charset="0"/>
+              </a:rPr>
+              <a:t> </a:t>
+            </a:r>
+            <a:r>
+              <a:rPr lang="en-US" sz="2800" dirty="0" err="1" smtClean="0">
+                <a:latin typeface="Times New Roman" panose="02020603050405020304" pitchFamily="18" charset="0"/>
+                <a:cs typeface="Times New Roman" panose="02020603050405020304" pitchFamily="18" charset="0"/>
+              </a:rPr>
+              <a:t>phù</a:t>
+            </a:r>
+            <a:r>
+              <a:rPr lang="en-US" sz="2800" dirty="0" smtClean="0">
+                <a:latin typeface="Times New Roman" panose="02020603050405020304" pitchFamily="18" charset="0"/>
+                <a:cs typeface="Times New Roman" panose="02020603050405020304" pitchFamily="18" charset="0"/>
+              </a:rPr>
+              <a:t> </a:t>
+            </a:r>
+            <a:r>
+              <a:rPr lang="en-US" sz="2800" dirty="0" err="1" smtClean="0">
+                <a:latin typeface="Times New Roman" panose="02020603050405020304" pitchFamily="18" charset="0"/>
+                <a:cs typeface="Times New Roman" panose="02020603050405020304" pitchFamily="18" charset="0"/>
+              </a:rPr>
+              <a:t>hợp</a:t>
+            </a:r>
+            <a:r>
+              <a:rPr lang="en-US" sz="2800" dirty="0" smtClean="0">
+                <a:latin typeface="Times New Roman" panose="02020603050405020304" pitchFamily="18" charset="0"/>
+                <a:cs typeface="Times New Roman" panose="02020603050405020304" pitchFamily="18" charset="0"/>
+              </a:rPr>
+              <a:t> </a:t>
+            </a:r>
+            <a:r>
+              <a:rPr lang="en-US" sz="2800" dirty="0" err="1" smtClean="0">
+                <a:latin typeface="Times New Roman" panose="02020603050405020304" pitchFamily="18" charset="0"/>
+                <a:cs typeface="Times New Roman" panose="02020603050405020304" pitchFamily="18" charset="0"/>
+              </a:rPr>
+              <a:t>với</a:t>
+            </a:r>
+            <a:r>
+              <a:rPr lang="en-US" sz="2800" dirty="0" smtClean="0">
+                <a:latin typeface="Times New Roman" panose="02020603050405020304" pitchFamily="18" charset="0"/>
+                <a:cs typeface="Times New Roman" panose="02020603050405020304" pitchFamily="18" charset="0"/>
+              </a:rPr>
+              <a:t> </a:t>
+            </a:r>
+            <a:r>
+              <a:rPr lang="en-US" sz="2800" dirty="0" err="1" smtClean="0">
+                <a:latin typeface="Times New Roman" panose="02020603050405020304" pitchFamily="18" charset="0"/>
+                <a:cs typeface="Times New Roman" panose="02020603050405020304" pitchFamily="18" charset="0"/>
+              </a:rPr>
+              <a:t>ảnh</a:t>
+            </a:r>
+            <a:r>
+              <a:rPr lang="en-US" sz="2800" dirty="0" smtClean="0">
+                <a:latin typeface="Times New Roman" panose="02020603050405020304" pitchFamily="18" charset="0"/>
+                <a:cs typeface="Times New Roman" panose="02020603050405020304" pitchFamily="18" charset="0"/>
+              </a:rPr>
+              <a:t> </a:t>
+            </a:r>
+            <a:r>
+              <a:rPr lang="en-US" sz="2800" dirty="0" err="1" smtClean="0">
+                <a:latin typeface="Times New Roman" panose="02020603050405020304" pitchFamily="18" charset="0"/>
+                <a:cs typeface="Times New Roman" panose="02020603050405020304" pitchFamily="18" charset="0"/>
+              </a:rPr>
+              <a:t>có</a:t>
+            </a:r>
+            <a:r>
+              <a:rPr lang="en-US" sz="2800" dirty="0" smtClean="0">
+                <a:latin typeface="Times New Roman" panose="02020603050405020304" pitchFamily="18" charset="0"/>
+                <a:cs typeface="Times New Roman" panose="02020603050405020304" pitchFamily="18" charset="0"/>
+              </a:rPr>
+              <a:t> </a:t>
+            </a:r>
+            <a:r>
+              <a:rPr lang="en-US" sz="2800" dirty="0" err="1" smtClean="0">
+                <a:latin typeface="Times New Roman" panose="02020603050405020304" pitchFamily="18" charset="0"/>
+                <a:cs typeface="Times New Roman" panose="02020603050405020304" pitchFamily="18" charset="0"/>
+              </a:rPr>
+              <a:t>độ</a:t>
+            </a:r>
+            <a:r>
+              <a:rPr lang="en-US" sz="2800" dirty="0" smtClean="0">
+                <a:latin typeface="Times New Roman" panose="02020603050405020304" pitchFamily="18" charset="0"/>
+                <a:cs typeface="Times New Roman" panose="02020603050405020304" pitchFamily="18" charset="0"/>
+              </a:rPr>
+              <a:t> </a:t>
+            </a:r>
+            <a:r>
+              <a:rPr lang="en-US" sz="2800" dirty="0" err="1" smtClean="0">
+                <a:latin typeface="Times New Roman" panose="02020603050405020304" pitchFamily="18" charset="0"/>
+                <a:cs typeface="Times New Roman" panose="02020603050405020304" pitchFamily="18" charset="0"/>
+              </a:rPr>
+              <a:t>phân</a:t>
+            </a:r>
+            <a:r>
+              <a:rPr lang="en-US" sz="2800" dirty="0" smtClean="0">
+                <a:latin typeface="Times New Roman" panose="02020603050405020304" pitchFamily="18" charset="0"/>
+                <a:cs typeface="Times New Roman" panose="02020603050405020304" pitchFamily="18" charset="0"/>
+              </a:rPr>
+              <a:t> </a:t>
+            </a:r>
+            <a:r>
+              <a:rPr lang="en-US" sz="2800" dirty="0" err="1" smtClean="0">
+                <a:latin typeface="Times New Roman" panose="02020603050405020304" pitchFamily="18" charset="0"/>
+                <a:cs typeface="Times New Roman" panose="02020603050405020304" pitchFamily="18" charset="0"/>
+              </a:rPr>
+              <a:t>giải</a:t>
+            </a:r>
+            <a:r>
+              <a:rPr lang="en-US" sz="2800" dirty="0" smtClean="0">
+                <a:latin typeface="Times New Roman" panose="02020603050405020304" pitchFamily="18" charset="0"/>
+                <a:cs typeface="Times New Roman" panose="02020603050405020304" pitchFamily="18" charset="0"/>
+              </a:rPr>
+              <a:t> </a:t>
+            </a:r>
+            <a:r>
+              <a:rPr lang="en-US" sz="2800" dirty="0" err="1" smtClean="0">
+                <a:latin typeface="Times New Roman" panose="02020603050405020304" pitchFamily="18" charset="0"/>
+                <a:cs typeface="Times New Roman" panose="02020603050405020304" pitchFamily="18" charset="0"/>
+              </a:rPr>
+              <a:t>cao</a:t>
+            </a:r>
+            <a:endParaRPr lang="en-US" sz="2800" dirty="0" smtClean="0">
+              <a:latin typeface="Times New Roman" panose="02020603050405020304" pitchFamily="18" charset="0"/>
+              <a:cs typeface="Times New Roman" panose="02020603050405020304" pitchFamily="18" charset="0"/>
+            </a:endParaRPr>
+          </a:p>
+          <a:p>
+            <a:pPr marL="1197864" lvl="2" indent="-457200">
+              <a:lnSpc>
+                <a:spcPct val="100000"/>
+              </a:lnSpc>
+              <a:spcBef>
+                <a:spcPts val="600"/>
+              </a:spcBef>
+            </a:pPr>
+            <a:endParaRPr lang="en-US" sz="2800" dirty="0" smtClean="0">
+              <a:latin typeface="Times New Roman" panose="02020603050405020304" pitchFamily="18" charset="0"/>
+              <a:cs typeface="Times New Roman" panose="02020603050405020304" pitchFamily="18" charset="0"/>
+            </a:endParaRPr>
+          </a:p>
+        </p:txBody>
+      </p:sp>
+      <p:pic>
+        <p:nvPicPr>
+          <p:cNvPr id="2052" name="Picture 4" descr="Neural network (machine learning) - Wikipedia"/>
+          <p:cNvPicPr>
+            <a:picLocks noChangeAspect="1" noChangeArrowheads="1"/>
+          </p:cNvPicPr>
+          <p:nvPr/>
+        </p:nvPicPr>
+        <p:blipFill>
+          <a:blip r:embed="rId3" cstate="hqprint">
+            <a:extLst>
+              <a:ext uri="{28A0092B-C50C-407E-A947-70E740481C1C}">
+                <a14:useLocalDpi xmlns:a14="http://schemas.microsoft.com/office/drawing/2010/main" val="0"/>
+              </a:ext>
+            </a:extLst>
+          </a:blip>
+          <a:srcRect/>
+          <a:stretch>
+            <a:fillRect/>
+          </a:stretch>
+        </p:blipFill>
+        <p:spPr bwMode="auto">
+          <a:xfrm>
+            <a:off x="8344910" y="2907055"/>
+            <a:ext cx="2798011" cy="3366940"/>
+          </a:xfrm>
+          <a:prstGeom prst="rect">
+            <a:avLst/>
+          </a:prstGeom>
+          <a:noFill/>
+          <a:extLst>
+            <a:ext uri="{909E8E84-426E-40DD-AFC4-6F175D3DCCD1}">
+              <a14:hiddenFill xmlns:a14="http://schemas.microsoft.com/office/drawing/2010/main">
+                <a:solidFill>
+                  <a:srgbClr val="FFFFFF"/>
+                </a:solidFill>
+              </a14:hiddenFill>
+            </a:ext>
+          </a:extLst>
+        </p:spPr>
+      </p:pic>
+    </p:spTree>
+    <p:extLst>
+      <p:ext uri="{BB962C8B-B14F-4D97-AF65-F5344CB8AC3E}">
+        <p14:creationId xmlns:p14="http://schemas.microsoft.com/office/powerpoint/2010/main" val="539462478"/>
+      </p:ext>
+    </p:extLst>
+  </p:cSld>
+  <p:clrMapOvr>
+    <a:masterClrMapping/>
+  </p:clrMapOvr>
+  <p:timing>
+    <p:tnLst>
+      <p:par>
+        <p:cTn id="1" dur="indefinite" restart="never" nodeType="tmRoot"/>
+      </p:par>
+    </p:tnLst>
+  </p:timing>
+</p:sld>
+</file>
+
+<file path=ppt/slides/slide14.xml><?xml version="1.0" encoding="utf-8"?>
 <p:sld xmlns:a="http://schemas.openxmlformats.org/drawingml/2006/main" xmlns:r="http://schemas.openxmlformats.org/officeDocument/2006/relationships" xmlns:p="http://schemas.openxmlformats.org/presentationml/2006/main">
   <p:cSld>
     <p:spTree>
@@ -10994,7 +13745,7 @@
 </p:sld>
 </file>
 
-<file path=ppt/slides/slide11.xml><?xml version="1.0" encoding="utf-8"?>
+<file path=ppt/slides/slide15.xml><?xml version="1.0" encoding="utf-8"?>
 <p:sld xmlns:a="http://schemas.openxmlformats.org/drawingml/2006/main" xmlns:r="http://schemas.openxmlformats.org/officeDocument/2006/relationships" xmlns:p="http://schemas.openxmlformats.org/presentationml/2006/main">
   <p:cSld>
     <p:spTree>
@@ -12186,7 +14937,7 @@
 </p:sld>
 </file>
 
-<file path=ppt/slides/slide12.xml><?xml version="1.0" encoding="utf-8"?>
+<file path=ppt/slides/slide16.xml><?xml version="1.0" encoding="utf-8"?>
 <p:sld xmlns:a="http://schemas.openxmlformats.org/drawingml/2006/main" xmlns:r="http://schemas.openxmlformats.org/officeDocument/2006/relationships" xmlns:p="http://schemas.openxmlformats.org/presentationml/2006/main">
   <p:cSld>
     <p:spTree>
@@ -13982,10 +16733,6 @@
               </a:rPr>
               <a:t>, pagination</a:t>
             </a:r>
-            <a:endParaRPr lang="en-US" sz="2800" dirty="0" smtClean="0">
-              <a:latin typeface="Times New Roman" panose="02020603050405020304" pitchFamily="18" charset="0"/>
-              <a:cs typeface="Times New Roman" panose="02020603050405020304" pitchFamily="18" charset="0"/>
-            </a:endParaRPr>
           </a:p>
           <a:p>
             <a:pPr marL="626364" lvl="1" indent="-342900"/>
@@ -14256,10 +17003,6 @@
               </a:rPr>
               <a:t>Frontend</a:t>
             </a:r>
-            <a:endParaRPr lang="en-US" sz="2800" dirty="0" smtClean="0">
-              <a:latin typeface="Times New Roman" panose="02020603050405020304" pitchFamily="18" charset="0"/>
-              <a:cs typeface="Times New Roman" panose="02020603050405020304" pitchFamily="18" charset="0"/>
-            </a:endParaRPr>
           </a:p>
         </p:txBody>
       </p:sp>
@@ -14538,10 +17281,6 @@
               </a:rPr>
               <a:t>Backend</a:t>
             </a:r>
-            <a:endParaRPr lang="en-US" sz="2800" dirty="0" smtClean="0">
-              <a:latin typeface="Times New Roman" panose="02020603050405020304" pitchFamily="18" charset="0"/>
-              <a:cs typeface="Times New Roman" panose="02020603050405020304" pitchFamily="18" charset="0"/>
-            </a:endParaRPr>
           </a:p>
         </p:txBody>
       </p:sp>
@@ -16319,26 +19058,6 @@
 </file>
 
 <file path=customXml/item2.xml><?xml version="1.0" encoding="utf-8"?>
-<p:properties xmlns:p="http://schemas.microsoft.com/office/2006/metadata/properties" xmlns:xsi="http://www.w3.org/2001/XMLSchema-instance" xmlns:pc="http://schemas.microsoft.com/office/infopath/2007/PartnerControls">
-  <documentManagement>
-    <Background xmlns="71af3243-3dd4-4a8d-8c0d-dd76da1f02a5">false</Background>
-    <Status xmlns="71af3243-3dd4-4a8d-8c0d-dd76da1f02a5">Not started</Status>
-    <_ip_UnifiedCompliancePolicyUIAction xmlns="http://schemas.microsoft.com/sharepoint/v3" xsi:nil="true"/>
-    <Image xmlns="71af3243-3dd4-4a8d-8c0d-dd76da1f02a5">
-      <Url xsi:nil="true"/>
-      <Description xsi:nil="true"/>
-    </Image>
-    <_ip_UnifiedCompliancePolicyProperties xmlns="http://schemas.microsoft.com/sharepoint/v3" xsi:nil="true"/>
-    <ImageTagsTaxHTField xmlns="71af3243-3dd4-4a8d-8c0d-dd76da1f02a5">
-      <Terms xmlns="http://schemas.microsoft.com/office/infopath/2007/PartnerControls"/>
-    </ImageTagsTaxHTField>
-    <TaxCatchAll xmlns="230e9df3-be65-4c73-a93b-d1236ebd677e" xsi:nil="true"/>
-    <MediaServiceKeyPoints xmlns="71af3243-3dd4-4a8d-8c0d-dd76da1f02a5" xsi:nil="true"/>
-  </documentManagement>
-</p:properties>
-</file>
-
-<file path=customXml/item3.xml><?xml version="1.0" encoding="utf-8"?>
 <ct:contentTypeSchema xmlns:ct="http://schemas.microsoft.com/office/2006/metadata/contentType" xmlns:ma="http://schemas.microsoft.com/office/2006/metadata/properties/metaAttributes" ct:_="" ma:_="" ma:contentTypeName="Document" ma:contentTypeID="0x01010079F111ED35F8CC479449609E8A0923A6" ma:contentTypeVersion="28" ma:contentTypeDescription="Create a new document." ma:contentTypeScope="" ma:versionID="60f5a4f2d2b0abadcf532d48ebf9cb71">
   <xsd:schema xmlns:xsd="http://www.w3.org/2001/XMLSchema" xmlns:xs="http://www.w3.org/2001/XMLSchema" xmlns:p="http://schemas.microsoft.com/office/2006/metadata/properties" xmlns:ns1="http://schemas.microsoft.com/sharepoint/v3" xmlns:ns2="71af3243-3dd4-4a8d-8c0d-dd76da1f02a5" xmlns:ns3="16c05727-aa75-4e4a-9b5f-8a80a1165891" xmlns:ns4="230e9df3-be65-4c73-a93b-d1236ebd677e" targetNamespace="http://schemas.microsoft.com/office/2006/metadata/properties" ma:root="true" ma:fieldsID="7dd78129e6a1811f84807ad11c651531" ns1:_="" ns2:_="" ns3:_="" ns4:_="">
     <xsd:import namespace="http://schemas.microsoft.com/sharepoint/v3"/>
@@ -16650,6 +19369,26 @@
 </ct:contentTypeSchema>
 </file>
 
+<file path=customXml/item3.xml><?xml version="1.0" encoding="utf-8"?>
+<p:properties xmlns:p="http://schemas.microsoft.com/office/2006/metadata/properties" xmlns:xsi="http://www.w3.org/2001/XMLSchema-instance" xmlns:pc="http://schemas.microsoft.com/office/infopath/2007/PartnerControls">
+  <documentManagement>
+    <Background xmlns="71af3243-3dd4-4a8d-8c0d-dd76da1f02a5">false</Background>
+    <Status xmlns="71af3243-3dd4-4a8d-8c0d-dd76da1f02a5">Not started</Status>
+    <_ip_UnifiedCompliancePolicyUIAction xmlns="http://schemas.microsoft.com/sharepoint/v3" xsi:nil="true"/>
+    <Image xmlns="71af3243-3dd4-4a8d-8c0d-dd76da1f02a5">
+      <Url xsi:nil="true"/>
+      <Description xsi:nil="true"/>
+    </Image>
+    <_ip_UnifiedCompliancePolicyProperties xmlns="http://schemas.microsoft.com/sharepoint/v3" xsi:nil="true"/>
+    <ImageTagsTaxHTField xmlns="71af3243-3dd4-4a8d-8c0d-dd76da1f02a5">
+      <Terms xmlns="http://schemas.microsoft.com/office/infopath/2007/PartnerControls"/>
+    </ImageTagsTaxHTField>
+    <TaxCatchAll xmlns="230e9df3-be65-4c73-a93b-d1236ebd677e" xsi:nil="true"/>
+    <MediaServiceKeyPoints xmlns="71af3243-3dd4-4a8d-8c0d-dd76da1f02a5" xsi:nil="true"/>
+  </documentManagement>
+</p:properties>
+</file>
+
 <file path=customXml/itemProps1.xml><?xml version="1.0" encoding="utf-8"?>
 <ds:datastoreItem xmlns:ds="http://schemas.openxmlformats.org/officeDocument/2006/customXml" ds:itemID="{36D24F1A-6251-4B9A-A918-7D6F3A8F7E2A}">
   <ds:schemaRefs>
@@ -16659,18 +19398,6 @@
 </file>
 
 <file path=customXml/itemProps2.xml><?xml version="1.0" encoding="utf-8"?>
-<ds:datastoreItem xmlns:ds="http://schemas.openxmlformats.org/officeDocument/2006/customXml" ds:itemID="{CA0FE134-9032-4C7F-BC57-C7DE3F833363}">
-  <ds:schemaRefs>
-    <ds:schemaRef ds:uri="http://schemas.microsoft.com/office/2006/metadata/properties"/>
-    <ds:schemaRef ds:uri="http://schemas.microsoft.com/office/infopath/2007/PartnerControls"/>
-    <ds:schemaRef ds:uri="71af3243-3dd4-4a8d-8c0d-dd76da1f02a5"/>
-    <ds:schemaRef ds:uri="http://schemas.microsoft.com/sharepoint/v3"/>
-    <ds:schemaRef ds:uri="230e9df3-be65-4c73-a93b-d1236ebd677e"/>
-  </ds:schemaRefs>
-</ds:datastoreItem>
-</file>
-
-<file path=customXml/itemProps3.xml><?xml version="1.0" encoding="utf-8"?>
 <ds:datastoreItem xmlns:ds="http://schemas.openxmlformats.org/officeDocument/2006/customXml" ds:itemID="{A8A8ECD1-788F-484B-9043-D957FCFDF1FA}">
   <ds:schemaRefs>
     <ds:schemaRef ds:uri="http://schemas.microsoft.com/office/2006/metadata/contentType"/>
@@ -16691,6 +19418,18 @@
 </ds:datastoreItem>
 </file>
 
+<file path=customXml/itemProps3.xml><?xml version="1.0" encoding="utf-8"?>
+<ds:datastoreItem xmlns:ds="http://schemas.openxmlformats.org/officeDocument/2006/customXml" ds:itemID="{CA0FE134-9032-4C7F-BC57-C7DE3F833363}">
+  <ds:schemaRefs>
+    <ds:schemaRef ds:uri="http://schemas.microsoft.com/office/2006/metadata/properties"/>
+    <ds:schemaRef ds:uri="http://schemas.microsoft.com/office/infopath/2007/PartnerControls"/>
+    <ds:schemaRef ds:uri="71af3243-3dd4-4a8d-8c0d-dd76da1f02a5"/>
+    <ds:schemaRef ds:uri="http://schemas.microsoft.com/sharepoint/v3"/>
+    <ds:schemaRef ds:uri="230e9df3-be65-4c73-a93b-d1236ebd677e"/>
+  </ds:schemaRefs>
+</ds:datastoreItem>
+</file>
+
 <file path=docMetadata/LabelInfo.xml><?xml version="1.0" encoding="utf-8"?>
 <clbl:labelList xmlns:clbl="http://schemas.microsoft.com/office/2020/mipLabelMetadata"/>
 </file>
--- a/Geometric annual presentation.pptx
+++ b/Geometric annual presentation.pptx
@@ -982,6 +982,325 @@
           <a:bodyPr/>
           <a:lstStyle/>
           <a:p>
+            <a:r>
+              <a:rPr lang="en-US" dirty="0" err="1" smtClean="0"/>
+              <a:t>Xử</a:t>
+            </a:r>
+            <a:r>
+              <a:rPr lang="en-US" baseline="0" dirty="0" smtClean="0"/>
+              <a:t> </a:t>
+            </a:r>
+            <a:r>
+              <a:rPr lang="en-US" baseline="0" dirty="0" err="1" smtClean="0"/>
+              <a:t>lý</a:t>
+            </a:r>
+            <a:r>
+              <a:rPr lang="en-US" baseline="0" dirty="0" smtClean="0"/>
+              <a:t> </a:t>
+            </a:r>
+            <a:r>
+              <a:rPr lang="en-US" baseline="0" dirty="0" err="1" smtClean="0"/>
+              <a:t>ảnh</a:t>
+            </a:r>
+            <a:r>
+              <a:rPr lang="en-US" baseline="0" dirty="0" smtClean="0"/>
+              <a:t> </a:t>
+            </a:r>
+            <a:r>
+              <a:rPr lang="en-US" baseline="0" dirty="0" err="1" smtClean="0"/>
+              <a:t>đầu</a:t>
+            </a:r>
+            <a:r>
+              <a:rPr lang="en-US" baseline="0" dirty="0" smtClean="0"/>
+              <a:t> </a:t>
+            </a:r>
+            <a:r>
+              <a:rPr lang="en-US" baseline="0" dirty="0" err="1" smtClean="0"/>
+              <a:t>vào</a:t>
+            </a:r>
+            <a:r>
+              <a:rPr lang="en-US" baseline="0" dirty="0" smtClean="0"/>
+              <a:t> </a:t>
+            </a:r>
+            <a:r>
+              <a:rPr lang="en-US" baseline="0" dirty="0" err="1" smtClean="0"/>
+              <a:t>bằng</a:t>
+            </a:r>
+            <a:r>
+              <a:rPr lang="en-US" baseline="0" dirty="0" smtClean="0"/>
+              <a:t> </a:t>
+            </a:r>
+            <a:r>
+              <a:rPr lang="en-US" baseline="0" dirty="0" err="1" smtClean="0"/>
+              <a:t>cách</a:t>
+            </a:r>
+            <a:r>
+              <a:rPr lang="en-US" baseline="0" dirty="0" smtClean="0"/>
+              <a:t> crop </a:t>
+            </a:r>
+            <a:r>
+              <a:rPr lang="en-US" baseline="0" dirty="0" err="1" smtClean="0"/>
+              <a:t>lại</a:t>
+            </a:r>
+            <a:r>
+              <a:rPr lang="en-US" baseline="0" dirty="0" smtClean="0"/>
+              <a:t> </a:t>
+            </a:r>
+            <a:r>
+              <a:rPr lang="en-US" baseline="0" dirty="0" err="1" smtClean="0"/>
+              <a:t>thành</a:t>
+            </a:r>
+            <a:r>
+              <a:rPr lang="en-US" baseline="0" dirty="0" smtClean="0"/>
+              <a:t> size 224 x 224</a:t>
+            </a:r>
+          </a:p>
+          <a:p>
+            <a:r>
+              <a:rPr lang="en-US" baseline="0" dirty="0" smtClean="0"/>
+              <a:t>So </a:t>
+            </a:r>
+            <a:r>
+              <a:rPr lang="en-US" baseline="0" dirty="0" err="1" smtClean="0"/>
+              <a:t>sánh</a:t>
+            </a:r>
+            <a:r>
+              <a:rPr lang="en-US" baseline="0" dirty="0" smtClean="0"/>
+              <a:t> </a:t>
+            </a:r>
+            <a:r>
+              <a:rPr lang="en-US" baseline="0" dirty="0" err="1" smtClean="0"/>
+              <a:t>bằng</a:t>
+            </a:r>
+            <a:r>
+              <a:rPr lang="en-US" baseline="0" dirty="0" smtClean="0"/>
+              <a:t> </a:t>
+            </a:r>
+            <a:r>
+              <a:rPr lang="en-US" baseline="0" dirty="0" err="1" smtClean="0"/>
+              <a:t>phương</a:t>
+            </a:r>
+            <a:r>
+              <a:rPr lang="en-US" baseline="0" dirty="0" smtClean="0"/>
+              <a:t> </a:t>
+            </a:r>
+            <a:r>
+              <a:rPr lang="en-US" baseline="0" dirty="0" err="1" smtClean="0"/>
+              <a:t>pháp</a:t>
+            </a:r>
+            <a:r>
+              <a:rPr lang="en-US" baseline="0" dirty="0" smtClean="0"/>
+              <a:t> cosine</a:t>
+            </a:r>
+          </a:p>
+          <a:p>
+            <a:r>
+              <a:rPr lang="en-US" baseline="0" dirty="0" err="1" smtClean="0"/>
+              <a:t>Thông</a:t>
+            </a:r>
+            <a:r>
+              <a:rPr lang="en-US" baseline="0" dirty="0" smtClean="0"/>
+              <a:t> </a:t>
+            </a:r>
+            <a:r>
+              <a:rPr lang="en-US" baseline="0" dirty="0" err="1" smtClean="0"/>
+              <a:t>thường</a:t>
+            </a:r>
+            <a:r>
+              <a:rPr lang="en-US" baseline="0" dirty="0" smtClean="0"/>
+              <a:t> </a:t>
+            </a:r>
+            <a:r>
+              <a:rPr lang="en-US" baseline="0" dirty="0" err="1" smtClean="0"/>
+              <a:t>các</a:t>
+            </a:r>
+            <a:r>
+              <a:rPr lang="en-US" baseline="0" dirty="0" smtClean="0"/>
+              <a:t> </a:t>
+            </a:r>
+            <a:r>
+              <a:rPr lang="en-US" baseline="0" dirty="0" err="1" smtClean="0"/>
+              <a:t>hệ</a:t>
+            </a:r>
+            <a:r>
+              <a:rPr lang="en-US" baseline="0" dirty="0" smtClean="0"/>
+              <a:t> </a:t>
+            </a:r>
+            <a:r>
+              <a:rPr lang="en-US" baseline="0" dirty="0" err="1" smtClean="0"/>
+              <a:t>thống</a:t>
+            </a:r>
+            <a:r>
+              <a:rPr lang="en-US" baseline="0" dirty="0" smtClean="0"/>
+              <a:t> </a:t>
+            </a:r>
+            <a:r>
+              <a:rPr lang="en-US" baseline="0" dirty="0" err="1" smtClean="0"/>
+              <a:t>lớn</a:t>
+            </a:r>
+            <a:r>
+              <a:rPr lang="en-US" baseline="0" dirty="0" smtClean="0"/>
+              <a:t> </a:t>
+            </a:r>
+            <a:r>
+              <a:rPr lang="en-US" baseline="0" dirty="0" err="1" smtClean="0"/>
+              <a:t>sử</a:t>
+            </a:r>
+            <a:r>
+              <a:rPr lang="en-US" baseline="0" dirty="0" smtClean="0"/>
+              <a:t> </a:t>
+            </a:r>
+            <a:r>
+              <a:rPr lang="en-US" baseline="0" dirty="0" err="1" smtClean="0"/>
+              <a:t>dụng</a:t>
+            </a:r>
+            <a:r>
+              <a:rPr lang="en-US" baseline="0" dirty="0" smtClean="0"/>
+              <a:t> </a:t>
+            </a:r>
+            <a:r>
+              <a:rPr lang="en-US" baseline="0" dirty="0" err="1" smtClean="0"/>
+              <a:t>các</a:t>
+            </a:r>
+            <a:r>
+              <a:rPr lang="en-US" baseline="0" dirty="0" smtClean="0"/>
+              <a:t> </a:t>
+            </a:r>
+            <a:r>
+              <a:rPr lang="en-US" baseline="0" dirty="0" err="1" smtClean="0"/>
+              <a:t>thư</a:t>
+            </a:r>
+            <a:r>
+              <a:rPr lang="en-US" baseline="0" dirty="0" smtClean="0"/>
+              <a:t> </a:t>
+            </a:r>
+            <a:r>
+              <a:rPr lang="en-US" baseline="0" dirty="0" err="1" smtClean="0"/>
+              <a:t>viện</a:t>
+            </a:r>
+            <a:r>
+              <a:rPr lang="en-US" baseline="0" dirty="0" smtClean="0"/>
+              <a:t> </a:t>
+            </a:r>
+            <a:r>
+              <a:rPr lang="en-US" baseline="0" dirty="0" err="1" smtClean="0"/>
+              <a:t>như</a:t>
+            </a:r>
+            <a:r>
+              <a:rPr lang="en-US" baseline="0" dirty="0" smtClean="0"/>
+              <a:t> FAISS (</a:t>
+            </a:r>
+            <a:r>
+              <a:rPr lang="en-US" dirty="0" smtClean="0"/>
+              <a:t>FAISS (Facebook AI Similarity Search) </a:t>
+            </a:r>
+            <a:r>
+              <a:rPr lang="en-US" dirty="0" err="1" smtClean="0"/>
+              <a:t>để</a:t>
+            </a:r>
+            <a:r>
+              <a:rPr lang="en-US" baseline="0" dirty="0" smtClean="0"/>
+              <a:t> </a:t>
+            </a:r>
+            <a:r>
+              <a:rPr lang="en-US" baseline="0" dirty="0" err="1" smtClean="0"/>
+              <a:t>thực</a:t>
+            </a:r>
+            <a:r>
+              <a:rPr lang="en-US" baseline="0" dirty="0" smtClean="0"/>
+              <a:t> </a:t>
+            </a:r>
+            <a:r>
+              <a:rPr lang="en-US" baseline="0" dirty="0" err="1" smtClean="0"/>
+              <a:t>hiện</a:t>
+            </a:r>
+            <a:r>
+              <a:rPr lang="en-US" baseline="0" dirty="0" smtClean="0"/>
+              <a:t> </a:t>
+            </a:r>
+            <a:r>
+              <a:rPr lang="en-US" baseline="0" dirty="0" err="1" smtClean="0"/>
+              <a:t>tìm</a:t>
+            </a:r>
+            <a:r>
+              <a:rPr lang="en-US" baseline="0" dirty="0" smtClean="0"/>
+              <a:t> </a:t>
+            </a:r>
+            <a:r>
+              <a:rPr lang="en-US" baseline="0" dirty="0" err="1" smtClean="0"/>
+              <a:t>kiếm</a:t>
+            </a:r>
+            <a:r>
+              <a:rPr lang="en-US" baseline="0" dirty="0" smtClean="0"/>
+              <a:t> </a:t>
+            </a:r>
+            <a:r>
+              <a:rPr lang="en-US" baseline="0" dirty="0" err="1" smtClean="0"/>
+              <a:t>theo</a:t>
+            </a:r>
+            <a:r>
+              <a:rPr lang="en-US" baseline="0" dirty="0" smtClean="0"/>
+              <a:t> </a:t>
+            </a:r>
+            <a:r>
+              <a:rPr lang="en-US" baseline="0" dirty="0" err="1" smtClean="0"/>
+              <a:t>thời</a:t>
+            </a:r>
+            <a:r>
+              <a:rPr lang="en-US" baseline="0" dirty="0" smtClean="0"/>
+              <a:t> </a:t>
+            </a:r>
+            <a:r>
+              <a:rPr lang="en-US" baseline="0" dirty="0" err="1" smtClean="0"/>
+              <a:t>gian</a:t>
+            </a:r>
+            <a:r>
+              <a:rPr lang="en-US" baseline="0" dirty="0" smtClean="0"/>
+              <a:t> </a:t>
+            </a:r>
+            <a:r>
+              <a:rPr lang="en-US" baseline="0" dirty="0" err="1" smtClean="0"/>
+              <a:t>thực</a:t>
+            </a:r>
+            <a:endParaRPr lang="en-US" dirty="0" smtClean="0"/>
+          </a:p>
+          <a:p>
+            <a:r>
+              <a:rPr lang="en-US" b="1" dirty="0" err="1" smtClean="0"/>
+              <a:t>ScaNN</a:t>
+            </a:r>
+            <a:r>
+              <a:rPr lang="en-US" b="1" dirty="0" smtClean="0"/>
+              <a:t> (Google)</a:t>
+            </a:r>
+            <a:r>
+              <a:rPr lang="en-US" dirty="0" smtClean="0"/>
+              <a:t>, </a:t>
+            </a:r>
+            <a:r>
+              <a:rPr lang="en-US" b="1" dirty="0" smtClean="0"/>
+              <a:t>Annoy (Spotify)</a:t>
+            </a:r>
+            <a:r>
+              <a:rPr lang="en-US" dirty="0" smtClean="0"/>
+              <a:t>, </a:t>
+            </a:r>
+            <a:r>
+              <a:rPr lang="en-US" b="1" dirty="0" err="1" smtClean="0"/>
+              <a:t>Milvus</a:t>
+            </a:r>
+            <a:r>
+              <a:rPr lang="en-US" dirty="0" smtClean="0"/>
+              <a:t>, </a:t>
+            </a:r>
+            <a:r>
+              <a:rPr lang="en-US" b="1" dirty="0" err="1" smtClean="0"/>
+              <a:t>Weaviate</a:t>
+            </a:r>
+            <a:r>
+              <a:rPr lang="en-US" dirty="0" smtClean="0"/>
+              <a:t>.</a:t>
+            </a:r>
             <a:endParaRPr lang="en-US" dirty="0"/>
           </a:p>
         </p:txBody>
@@ -2761,7 +3080,7 @@
                 <a16:creationId xmlns:a16="http://schemas.microsoft.com/office/drawing/2014/main" id="{C26C18C3-ED25-DD4B-BA72-24932D54DE37}"/>
               </a:ext>
               <a:ext uri="{C183D7F6-B498-43B3-948B-1728B52AA6E4}">
-                <adec:decorative xmlns:adec="http://schemas.microsoft.com/office/drawing/2017/decorative" xmlns="" val="1"/>
+                <adec:decorative xmlns="" xmlns:adec="http://schemas.microsoft.com/office/drawing/2017/decorative" val="1"/>
               </a:ext>
             </a:extLst>
           </p:cNvPr>
@@ -3093,7 +3412,7 @@
                 <a16:creationId xmlns:a16="http://schemas.microsoft.com/office/drawing/2014/main" id="{A69706A2-3726-FE4E-B923-E75D48597816}"/>
               </a:ext>
               <a:ext uri="{C183D7F6-B498-43B3-948B-1728B52AA6E4}">
-                <adec:decorative xmlns:adec="http://schemas.microsoft.com/office/drawing/2017/decorative" xmlns="" val="1"/>
+                <adec:decorative xmlns="" xmlns:adec="http://schemas.microsoft.com/office/drawing/2017/decorative" val="1"/>
               </a:ext>
             </a:extLst>
           </p:cNvPr>
@@ -3186,7 +3505,7 @@
                 <a16:creationId xmlns:a16="http://schemas.microsoft.com/office/drawing/2014/main" id="{CF555767-B3D8-BD57-1D42-7F6E1E66892B}"/>
               </a:ext>
               <a:ext uri="{C183D7F6-B498-43B3-948B-1728B52AA6E4}">
-                <adec:decorative xmlns:adec="http://schemas.microsoft.com/office/drawing/2017/decorative" xmlns="" val="1"/>
+                <adec:decorative xmlns="" xmlns:adec="http://schemas.microsoft.com/office/drawing/2017/decorative" val="1"/>
               </a:ext>
             </a:extLst>
           </p:cNvPr>
@@ -3565,7 +3884,7 @@
                 <a16:creationId xmlns:a16="http://schemas.microsoft.com/office/drawing/2014/main" id="{E66081BA-9135-73B1-DCE5-77FD12431F13}"/>
               </a:ext>
               <a:ext uri="{C183D7F6-B498-43B3-948B-1728B52AA6E4}">
-                <adec:decorative xmlns:adec="http://schemas.microsoft.com/office/drawing/2017/decorative" xmlns="" val="1"/>
+                <adec:decorative xmlns="" xmlns:adec="http://schemas.microsoft.com/office/drawing/2017/decorative" val="1"/>
               </a:ext>
             </a:extLst>
           </p:cNvPr>
@@ -3958,7 +4277,7 @@
                 <a16:creationId xmlns:a16="http://schemas.microsoft.com/office/drawing/2014/main" id="{C97D5AF2-684A-4A8D-3D82-B57D7AC44677}"/>
               </a:ext>
               <a:ext uri="{C183D7F6-B498-43B3-948B-1728B52AA6E4}">
-                <adec:decorative xmlns:adec="http://schemas.microsoft.com/office/drawing/2017/decorative" xmlns="" val="1"/>
+                <adec:decorative xmlns="" xmlns:adec="http://schemas.microsoft.com/office/drawing/2017/decorative" val="1"/>
               </a:ext>
             </a:extLst>
           </p:cNvPr>
@@ -4337,7 +4656,7 @@
                 <a16:creationId xmlns:a16="http://schemas.microsoft.com/office/drawing/2014/main" id="{E66081BA-9135-73B1-DCE5-77FD12431F13}"/>
               </a:ext>
               <a:ext uri="{C183D7F6-B498-43B3-948B-1728B52AA6E4}">
-                <adec:decorative xmlns:adec="http://schemas.microsoft.com/office/drawing/2017/decorative" xmlns="" val="1"/>
+                <adec:decorative xmlns="" xmlns:adec="http://schemas.microsoft.com/office/drawing/2017/decorative" val="1"/>
               </a:ext>
             </a:extLst>
           </p:cNvPr>
@@ -4878,7 +5197,7 @@
                 <a16:creationId xmlns:a16="http://schemas.microsoft.com/office/drawing/2014/main" id="{E66081BA-9135-73B1-DCE5-77FD12431F13}"/>
               </a:ext>
               <a:ext uri="{C183D7F6-B498-43B3-948B-1728B52AA6E4}">
-                <adec:decorative xmlns:adec="http://schemas.microsoft.com/office/drawing/2017/decorative" xmlns="" val="1"/>
+                <adec:decorative xmlns="" xmlns:adec="http://schemas.microsoft.com/office/drawing/2017/decorative" val="1"/>
               </a:ext>
             </a:extLst>
           </p:cNvPr>
@@ -5072,7 +5391,7 @@
                 <a16:creationId xmlns:a16="http://schemas.microsoft.com/office/drawing/2014/main" id="{C26C18C3-ED25-DD4B-BA72-24932D54DE37}"/>
               </a:ext>
               <a:ext uri="{C183D7F6-B498-43B3-948B-1728B52AA6E4}">
-                <adec:decorative xmlns:adec="http://schemas.microsoft.com/office/drawing/2017/decorative" xmlns="" val="1"/>
+                <adec:decorative xmlns="" xmlns:adec="http://schemas.microsoft.com/office/drawing/2017/decorative" val="1"/>
               </a:ext>
             </a:extLst>
           </p:cNvPr>
@@ -5464,7 +5783,7 @@
                 <a16:creationId xmlns:a16="http://schemas.microsoft.com/office/drawing/2014/main" id="{58B149C6-5AAC-B8E5-5411-EA38821F6754}"/>
               </a:ext>
               <a:ext uri="{C183D7F6-B498-43B3-948B-1728B52AA6E4}">
-                <adec:decorative xmlns:adec="http://schemas.microsoft.com/office/drawing/2017/decorative" xmlns="" val="1"/>
+                <adec:decorative xmlns="" xmlns:adec="http://schemas.microsoft.com/office/drawing/2017/decorative" val="1"/>
               </a:ext>
             </a:extLst>
           </p:cNvPr>
@@ -5542,7 +5861,7 @@
                 <a16:creationId xmlns:a16="http://schemas.microsoft.com/office/drawing/2014/main" id="{806C6F65-35CD-D64B-992A-0C1C1E00384D}"/>
               </a:ext>
               <a:ext uri="{C183D7F6-B498-43B3-948B-1728B52AA6E4}">
-                <adec:decorative xmlns:adec="http://schemas.microsoft.com/office/drawing/2017/decorative" xmlns="" val="1"/>
+                <adec:decorative xmlns="" xmlns:adec="http://schemas.microsoft.com/office/drawing/2017/decorative" val="1"/>
               </a:ext>
             </a:extLst>
           </p:cNvPr>
@@ -6350,7 +6669,7 @@
                 <a16:creationId xmlns:a16="http://schemas.microsoft.com/office/drawing/2014/main" id="{979826C1-7A52-DA25-F422-EE62DED7D1B6}"/>
               </a:ext>
               <a:ext uri="{C183D7F6-B498-43B3-948B-1728B52AA6E4}">
-                <adec:decorative xmlns:adec="http://schemas.microsoft.com/office/drawing/2017/decorative" xmlns="" val="1"/>
+                <adec:decorative xmlns="" xmlns:adec="http://schemas.microsoft.com/office/drawing/2017/decorative" val="1"/>
               </a:ext>
             </a:extLst>
           </p:cNvPr>
@@ -6613,7 +6932,7 @@
                 <a16:creationId xmlns:a16="http://schemas.microsoft.com/office/drawing/2014/main" id="{D96BA398-1ED2-1FCA-63B9-8915A8C7A524}"/>
               </a:ext>
               <a:ext uri="{C183D7F6-B498-43B3-948B-1728B52AA6E4}">
-                <adec:decorative xmlns:adec="http://schemas.microsoft.com/office/drawing/2017/decorative" xmlns="" val="1"/>
+                <adec:decorative xmlns="" xmlns:adec="http://schemas.microsoft.com/office/drawing/2017/decorative" val="1"/>
               </a:ext>
             </a:extLst>
           </p:cNvPr>
@@ -6889,7 +7208,7 @@
                 <a16:creationId xmlns:a16="http://schemas.microsoft.com/office/drawing/2014/main" id="{29169ED6-4B82-6844-119F-AC15CDF2D3E5}"/>
               </a:ext>
               <a:ext uri="{C183D7F6-B498-43B3-948B-1728B52AA6E4}">
-                <adec:decorative xmlns:adec="http://schemas.microsoft.com/office/drawing/2017/decorative" xmlns="" val="1"/>
+                <adec:decorative xmlns="" xmlns:adec="http://schemas.microsoft.com/office/drawing/2017/decorative" val="1"/>
               </a:ext>
             </a:extLst>
           </p:cNvPr>
@@ -6975,7 +7294,7 @@
                 <a16:creationId xmlns:a16="http://schemas.microsoft.com/office/drawing/2014/main" id="{C57F1500-1A16-D1EF-4F0C-030852B291FC}"/>
               </a:ext>
               <a:ext uri="{C183D7F6-B498-43B3-948B-1728B52AA6E4}">
-                <adec:decorative xmlns:adec="http://schemas.microsoft.com/office/drawing/2017/decorative" xmlns="" val="1"/>
+                <adec:decorative xmlns="" xmlns:adec="http://schemas.microsoft.com/office/drawing/2017/decorative" val="1"/>
               </a:ext>
             </a:extLst>
           </p:cNvPr>
@@ -7023,7 +7342,7 @@
                 <a16:creationId xmlns:a16="http://schemas.microsoft.com/office/drawing/2014/main" id="{2D07A0BE-3890-193E-9439-F294E61A71B9}"/>
               </a:ext>
               <a:ext uri="{C183D7F6-B498-43B3-948B-1728B52AA6E4}">
-                <adec:decorative xmlns:adec="http://schemas.microsoft.com/office/drawing/2017/decorative" xmlns="" val="1"/>
+                <adec:decorative xmlns="" xmlns:adec="http://schemas.microsoft.com/office/drawing/2017/decorative" val="1"/>
               </a:ext>
             </a:extLst>
           </p:cNvPr>
@@ -7711,7 +8030,7 @@
                 <a16:creationId xmlns:a16="http://schemas.microsoft.com/office/drawing/2014/main" id="{C26C18C3-ED25-DD4B-BA72-24932D54DE37}"/>
               </a:ext>
               <a:ext uri="{C183D7F6-B498-43B3-948B-1728B52AA6E4}">
-                <adec:decorative xmlns:adec="http://schemas.microsoft.com/office/drawing/2017/decorative" xmlns="" val="1"/>
+                <adec:decorative xmlns="" xmlns:adec="http://schemas.microsoft.com/office/drawing/2017/decorative" val="1"/>
               </a:ext>
             </a:extLst>
           </p:cNvPr>
@@ -8043,7 +8362,7 @@
                 <a16:creationId xmlns:a16="http://schemas.microsoft.com/office/drawing/2014/main" id="{A69706A2-3726-FE4E-B923-E75D48597816}"/>
               </a:ext>
               <a:ext uri="{C183D7F6-B498-43B3-948B-1728B52AA6E4}">
-                <adec:decorative xmlns:adec="http://schemas.microsoft.com/office/drawing/2017/decorative" xmlns="" val="1"/>
+                <adec:decorative xmlns="" xmlns:adec="http://schemas.microsoft.com/office/drawing/2017/decorative" val="1"/>
               </a:ext>
             </a:extLst>
           </p:cNvPr>
@@ -8189,7 +8508,7 @@
                 <a16:creationId xmlns:a16="http://schemas.microsoft.com/office/drawing/2014/main" id="{C97D5AF2-684A-4A8D-3D82-B57D7AC44677}"/>
               </a:ext>
               <a:ext uri="{C183D7F6-B498-43B3-948B-1728B52AA6E4}">
-                <adec:decorative xmlns:adec="http://schemas.microsoft.com/office/drawing/2017/decorative" xmlns="" val="1"/>
+                <adec:decorative xmlns="" xmlns:adec="http://schemas.microsoft.com/office/drawing/2017/decorative" val="1"/>
               </a:ext>
             </a:extLst>
           </p:cNvPr>
@@ -8821,7 +9140,7 @@
                 <a16:creationId xmlns:a16="http://schemas.microsoft.com/office/drawing/2014/main" id="{E66081BA-9135-73B1-DCE5-77FD12431F13}"/>
               </a:ext>
               <a:ext uri="{C183D7F6-B498-43B3-948B-1728B52AA6E4}">
-                <adec:decorative xmlns:adec="http://schemas.microsoft.com/office/drawing/2017/decorative" xmlns="" val="1"/>
+                <adec:decorative xmlns="" xmlns:adec="http://schemas.microsoft.com/office/drawing/2017/decorative" val="1"/>
               </a:ext>
             </a:extLst>
           </p:cNvPr>
@@ -8958,7 +9277,7 @@
                 <a16:creationId xmlns:a16="http://schemas.microsoft.com/office/drawing/2014/main" id="{42E558A9-6DD6-E21D-3A8F-6707E1DD19F1}"/>
               </a:ext>
               <a:ext uri="{C183D7F6-B498-43B3-948B-1728B52AA6E4}">
-                <adec:decorative xmlns:adec="http://schemas.microsoft.com/office/drawing/2017/decorative" xmlns="" val="1"/>
+                <adec:decorative xmlns="" xmlns:adec="http://schemas.microsoft.com/office/drawing/2017/decorative" val="1"/>
               </a:ext>
             </a:extLst>
           </p:cNvPr>
@@ -9601,7 +9920,7 @@
                 <a16:creationId xmlns:a16="http://schemas.microsoft.com/office/drawing/2014/main" id="{E66081BA-9135-73B1-DCE5-77FD12431F13}"/>
               </a:ext>
               <a:ext uri="{C183D7F6-B498-43B3-948B-1728B52AA6E4}">
-                <adec:decorative xmlns:adec="http://schemas.microsoft.com/office/drawing/2017/decorative" xmlns="" val="1"/>
+                <adec:decorative xmlns="" xmlns:adec="http://schemas.microsoft.com/office/drawing/2017/decorative" val="1"/>
               </a:ext>
             </a:extLst>
           </p:cNvPr>
@@ -10133,7 +10452,7 @@
                 <a16:creationId xmlns:a16="http://schemas.microsoft.com/office/drawing/2014/main" id="{E66081BA-9135-73B1-DCE5-77FD12431F13}"/>
               </a:ext>
               <a:ext uri="{C183D7F6-B498-43B3-948B-1728B52AA6E4}">
-                <adec:decorative xmlns:adec="http://schemas.microsoft.com/office/drawing/2017/decorative" xmlns="" val="1"/>
+                <adec:decorative xmlns="" xmlns:adec="http://schemas.microsoft.com/office/drawing/2017/decorative" val="1"/>
               </a:ext>
             </a:extLst>
           </p:cNvPr>
@@ -12462,8 +12781,19 @@
                 <a:latin typeface="Times New Roman" panose="02020603050405020304" pitchFamily="18" charset="0"/>
                 <a:cs typeface="Times New Roman" panose="02020603050405020304" pitchFamily="18" charset="0"/>
               </a:rPr>
-              <a:t> vector</a:t>
-            </a:r>
+              <a:t> </a:t>
+            </a:r>
+            <a:r>
+              <a:rPr lang="en-US" sz="2800" dirty="0" smtClean="0">
+                <a:latin typeface="Times New Roman" panose="02020603050405020304" pitchFamily="18" charset="0"/>
+                <a:cs typeface="Times New Roman" panose="02020603050405020304" pitchFamily="18" charset="0"/>
+              </a:rPr>
+              <a:t>embedding vector</a:t>
+            </a:r>
+            <a:endParaRPr lang="en-US" sz="2800" dirty="0" smtClean="0">
+              <a:latin typeface="Times New Roman" panose="02020603050405020304" pitchFamily="18" charset="0"/>
+              <a:cs typeface="Times New Roman" panose="02020603050405020304" pitchFamily="18" charset="0"/>
+            </a:endParaRPr>
           </a:p>
           <a:p>
             <a:pPr marL="1255014" lvl="2" indent="-514350">
@@ -19049,15 +19379,6 @@
 </file>
 
 <file path=customXml/item1.xml><?xml version="1.0" encoding="utf-8"?>
-<?mso-contentType ?>
-<FormTemplates xmlns="http://schemas.microsoft.com/sharepoint/v3/contenttype/forms">
-  <Display>DocumentLibraryForm</Display>
-  <Edit>DocumentLibraryForm</Edit>
-  <New>DocumentLibraryForm</New>
-</FormTemplates>
-</file>
-
-<file path=customXml/item2.xml><?xml version="1.0" encoding="utf-8"?>
 <ct:contentTypeSchema xmlns:ct="http://schemas.microsoft.com/office/2006/metadata/contentType" xmlns:ma="http://schemas.microsoft.com/office/2006/metadata/properties/metaAttributes" ct:_="" ma:_="" ma:contentTypeName="Document" ma:contentTypeID="0x01010079F111ED35F8CC479449609E8A0923A6" ma:contentTypeVersion="28" ma:contentTypeDescription="Create a new document." ma:contentTypeScope="" ma:versionID="60f5a4f2d2b0abadcf532d48ebf9cb71">
   <xsd:schema xmlns:xsd="http://www.w3.org/2001/XMLSchema" xmlns:xs="http://www.w3.org/2001/XMLSchema" xmlns:p="http://schemas.microsoft.com/office/2006/metadata/properties" xmlns:ns1="http://schemas.microsoft.com/sharepoint/v3" xmlns:ns2="71af3243-3dd4-4a8d-8c0d-dd76da1f02a5" xmlns:ns3="16c05727-aa75-4e4a-9b5f-8a80a1165891" xmlns:ns4="230e9df3-be65-4c73-a93b-d1236ebd677e" targetNamespace="http://schemas.microsoft.com/office/2006/metadata/properties" ma:root="true" ma:fieldsID="7dd78129e6a1811f84807ad11c651531" ns1:_="" ns2:_="" ns3:_="" ns4:_="">
     <xsd:import namespace="http://schemas.microsoft.com/sharepoint/v3"/>
@@ -19369,6 +19690,15 @@
 </ct:contentTypeSchema>
 </file>
 
+<file path=customXml/item2.xml><?xml version="1.0" encoding="utf-8"?>
+<?mso-contentType ?>
+<FormTemplates xmlns="http://schemas.microsoft.com/sharepoint/v3/contenttype/forms">
+  <Display>DocumentLibraryForm</Display>
+  <Edit>DocumentLibraryForm</Edit>
+  <New>DocumentLibraryForm</New>
+</FormTemplates>
+</file>
+
 <file path=customXml/item3.xml><?xml version="1.0" encoding="utf-8"?>
 <p:properties xmlns:p="http://schemas.microsoft.com/office/2006/metadata/properties" xmlns:xsi="http://www.w3.org/2001/XMLSchema-instance" xmlns:pc="http://schemas.microsoft.com/office/infopath/2007/PartnerControls">
   <documentManagement>
@@ -19390,14 +19720,6 @@
 </file>
 
 <file path=customXml/itemProps1.xml><?xml version="1.0" encoding="utf-8"?>
-<ds:datastoreItem xmlns:ds="http://schemas.openxmlformats.org/officeDocument/2006/customXml" ds:itemID="{36D24F1A-6251-4B9A-A918-7D6F3A8F7E2A}">
-  <ds:schemaRefs>
-    <ds:schemaRef ds:uri="http://schemas.microsoft.com/sharepoint/v3/contenttype/forms"/>
-  </ds:schemaRefs>
-</ds:datastoreItem>
-</file>
-
-<file path=customXml/itemProps2.xml><?xml version="1.0" encoding="utf-8"?>
 <ds:datastoreItem xmlns:ds="http://schemas.openxmlformats.org/officeDocument/2006/customXml" ds:itemID="{A8A8ECD1-788F-484B-9043-D957FCFDF1FA}">
   <ds:schemaRefs>
     <ds:schemaRef ds:uri="http://schemas.microsoft.com/office/2006/metadata/contentType"/>
@@ -19418,6 +19740,14 @@
 </ds:datastoreItem>
 </file>
 
+<file path=customXml/itemProps2.xml><?xml version="1.0" encoding="utf-8"?>
+<ds:datastoreItem xmlns:ds="http://schemas.openxmlformats.org/officeDocument/2006/customXml" ds:itemID="{36D24F1A-6251-4B9A-A918-7D6F3A8F7E2A}">
+  <ds:schemaRefs>
+    <ds:schemaRef ds:uri="http://schemas.microsoft.com/sharepoint/v3/contenttype/forms"/>
+  </ds:schemaRefs>
+</ds:datastoreItem>
+</file>
+
 <file path=customXml/itemProps3.xml><?xml version="1.0" encoding="utf-8"?>
 <ds:datastoreItem xmlns:ds="http://schemas.openxmlformats.org/officeDocument/2006/customXml" ds:itemID="{CA0FE134-9032-4C7F-BC57-C7DE3F833363}">
   <ds:schemaRefs>
